--- a/chinese/愛我們的家.pptx
+++ b/chinese/愛我們的家.pptx
@@ -9,8 +9,6 @@
     <p:sldId id="260" r:id="rId3"/>
     <p:sldId id="261" r:id="rId4"/>
     <p:sldId id="263" r:id="rId5"/>
-    <p:sldId id="264" r:id="rId6"/>
-    <p:sldId id="265" r:id="rId7"/>
   </p:sldIdLst>
   <p:sldSz cx="9144000" cy="6858000" type="screen4x3"/>
   <p:notesSz cx="6858000" cy="9144000"/>
@@ -298,7 +296,7 @@
             <a:fld id="{0044F68E-C29D-4AF6-8399-5D6C07C982BA}" type="datetimeFigureOut">
               <a:rPr lang="en-US" smtClean="0"/>
               <a:pPr/>
-              <a:t>5/9/2018</a:t>
+              <a:t>6/22/2019</a:t>
             </a:fld>
             <a:endParaRPr lang="en-US"/>
           </a:p>
@@ -465,7 +463,7 @@
             <a:fld id="{0044F68E-C29D-4AF6-8399-5D6C07C982BA}" type="datetimeFigureOut">
               <a:rPr lang="en-US" smtClean="0"/>
               <a:pPr/>
-              <a:t>5/9/2018</a:t>
+              <a:t>6/22/2019</a:t>
             </a:fld>
             <a:endParaRPr lang="en-US"/>
           </a:p>
@@ -642,7 +640,7 @@
             <a:fld id="{0044F68E-C29D-4AF6-8399-5D6C07C982BA}" type="datetimeFigureOut">
               <a:rPr lang="en-US" smtClean="0"/>
               <a:pPr/>
-              <a:t>5/9/2018</a:t>
+              <a:t>6/22/2019</a:t>
             </a:fld>
             <a:endParaRPr lang="en-US"/>
           </a:p>
@@ -809,7 +807,7 @@
             <a:fld id="{0044F68E-C29D-4AF6-8399-5D6C07C982BA}" type="datetimeFigureOut">
               <a:rPr lang="en-US" smtClean="0"/>
               <a:pPr/>
-              <a:t>5/9/2018</a:t>
+              <a:t>6/22/2019</a:t>
             </a:fld>
             <a:endParaRPr lang="en-US"/>
           </a:p>
@@ -1052,7 +1050,7 @@
             <a:fld id="{0044F68E-C29D-4AF6-8399-5D6C07C982BA}" type="datetimeFigureOut">
               <a:rPr lang="en-US" smtClean="0"/>
               <a:pPr/>
-              <a:t>5/9/2018</a:t>
+              <a:t>6/22/2019</a:t>
             </a:fld>
             <a:endParaRPr lang="en-US"/>
           </a:p>
@@ -1337,7 +1335,7 @@
             <a:fld id="{0044F68E-C29D-4AF6-8399-5D6C07C982BA}" type="datetimeFigureOut">
               <a:rPr lang="en-US" smtClean="0"/>
               <a:pPr/>
-              <a:t>5/9/2018</a:t>
+              <a:t>6/22/2019</a:t>
             </a:fld>
             <a:endParaRPr lang="en-US"/>
           </a:p>
@@ -1756,7 +1754,7 @@
             <a:fld id="{0044F68E-C29D-4AF6-8399-5D6C07C982BA}" type="datetimeFigureOut">
               <a:rPr lang="en-US" smtClean="0"/>
               <a:pPr/>
-              <a:t>5/9/2018</a:t>
+              <a:t>6/22/2019</a:t>
             </a:fld>
             <a:endParaRPr lang="en-US"/>
           </a:p>
@@ -1871,7 +1869,7 @@
             <a:fld id="{0044F68E-C29D-4AF6-8399-5D6C07C982BA}" type="datetimeFigureOut">
               <a:rPr lang="en-US" smtClean="0"/>
               <a:pPr/>
-              <a:t>5/9/2018</a:t>
+              <a:t>6/22/2019</a:t>
             </a:fld>
             <a:endParaRPr lang="en-US"/>
           </a:p>
@@ -1963,7 +1961,7 @@
             <a:fld id="{0044F68E-C29D-4AF6-8399-5D6C07C982BA}" type="datetimeFigureOut">
               <a:rPr lang="en-US" smtClean="0"/>
               <a:pPr/>
-              <a:t>5/9/2018</a:t>
+              <a:t>6/22/2019</a:t>
             </a:fld>
             <a:endParaRPr lang="en-US"/>
           </a:p>
@@ -2237,7 +2235,7 @@
             <a:fld id="{0044F68E-C29D-4AF6-8399-5D6C07C982BA}" type="datetimeFigureOut">
               <a:rPr lang="en-US" smtClean="0"/>
               <a:pPr/>
-              <a:t>5/9/2018</a:t>
+              <a:t>6/22/2019</a:t>
             </a:fld>
             <a:endParaRPr lang="en-US"/>
           </a:p>
@@ -2487,7 +2485,7 @@
             <a:fld id="{0044F68E-C29D-4AF6-8399-5D6C07C982BA}" type="datetimeFigureOut">
               <a:rPr lang="en-US" smtClean="0"/>
               <a:pPr/>
-              <a:t>5/9/2018</a:t>
+              <a:t>6/22/2019</a:t>
             </a:fld>
             <a:endParaRPr lang="en-US"/>
           </a:p>
@@ -2697,7 +2695,7 @@
             <a:fld id="{0044F68E-C29D-4AF6-8399-5D6C07C982BA}" type="datetimeFigureOut">
               <a:rPr lang="en-US" smtClean="0"/>
               <a:pPr/>
-              <a:t>5/9/2018</a:t>
+              <a:t>6/22/2019</a:t>
             </a:fld>
             <a:endParaRPr lang="en-US"/>
           </a:p>
@@ -3099,7 +3097,7 @@
           <p:cNvPr id="5" name="Title 1">
             <a:extLst>
               <a:ext uri="{FF2B5EF4-FFF2-40B4-BE49-F238E27FC236}">
-                <a16:creationId xmlns:a16="http://schemas.microsoft.com/office/drawing/2014/main" xmlns="" id="{4A6AF4A2-D899-4342-A548-410A8994E188}"/>
+                <a16:creationId xmlns="" xmlns:a16="http://schemas.microsoft.com/office/drawing/2014/main" id="{4A6AF4A2-D899-4342-A548-410A8994E188}"/>
               </a:ext>
             </a:extLst>
           </p:cNvPr>
@@ -4700,462 +4698,6 @@
           </a:p>
         </p:txBody>
       </p:sp>
-    </p:spTree>
-  </p:cSld>
-  <p:clrMapOvr>
-    <a:masterClrMapping/>
-  </p:clrMapOvr>
-  <p:timing>
-    <p:tnLst>
-      <p:par>
-        <p:cTn id="1" dur="indefinite" restart="never" nodeType="tmRoot"/>
-      </p:par>
-    </p:tnLst>
-  </p:timing>
-</p:sld>
-</file>
-
-<file path=ppt/slides/slide5.xml><?xml version="1.0" encoding="utf-8"?>
-<p:sld xmlns:a="http://schemas.openxmlformats.org/drawingml/2006/main" xmlns:r="http://schemas.openxmlformats.org/officeDocument/2006/relationships" xmlns:p="http://schemas.openxmlformats.org/presentationml/2006/main">
-  <p:cSld>
-    <p:spTree>
-      <p:nvGrpSpPr>
-        <p:cNvPr id="1" name=""/>
-        <p:cNvGrpSpPr/>
-        <p:nvPr/>
-      </p:nvGrpSpPr>
-      <p:grpSpPr>
-        <a:xfrm>
-          <a:off x="0" y="0"/>
-          <a:ext cx="0" cy="0"/>
-          <a:chOff x="0" y="0"/>
-          <a:chExt cx="0" cy="0"/>
-        </a:xfrm>
-      </p:grpSpPr>
-      <p:sp>
-        <p:nvSpPr>
-          <p:cNvPr id="2" name="標題 1"/>
-          <p:cNvSpPr>
-            <a:spLocks noGrp="1"/>
-          </p:cNvSpPr>
-          <p:nvPr>
-            <p:ph type="title"/>
-          </p:nvPr>
-        </p:nvSpPr>
-        <p:spPr/>
-        <p:txBody>
-          <a:bodyPr/>
-          <a:lstStyle/>
-          <a:p>
-            <a:endParaRPr lang="zh-TW" altLang="en-US"/>
-          </a:p>
-        </p:txBody>
-      </p:sp>
-      <p:sp>
-        <p:nvSpPr>
-          <p:cNvPr id="3" name="內容版面配置區 2"/>
-          <p:cNvSpPr>
-            <a:spLocks noGrp="1"/>
-          </p:cNvSpPr>
-          <p:nvPr>
-            <p:ph idx="1"/>
-          </p:nvPr>
-        </p:nvSpPr>
-        <p:spPr/>
-        <p:txBody>
-          <a:bodyPr/>
-          <a:lstStyle/>
-          <a:p>
-            <a:endParaRPr lang="zh-TW" altLang="en-US"/>
-          </a:p>
-        </p:txBody>
-      </p:sp>
-      <p:pic>
-        <p:nvPicPr>
-          <p:cNvPr id="1026" name="Picture 2" descr="相關圖片"/>
-          <p:cNvPicPr>
-            <a:picLocks noChangeAspect="1" noChangeArrowheads="1"/>
-          </p:cNvPicPr>
-          <p:nvPr/>
-        </p:nvPicPr>
-        <p:blipFill>
-          <a:blip r:embed="rId2"/>
-          <a:srcRect/>
-          <a:stretch>
-            <a:fillRect/>
-          </a:stretch>
-        </p:blipFill>
-        <p:spPr bwMode="auto">
-          <a:xfrm>
-            <a:off x="0" y="0"/>
-            <a:ext cx="9133957" cy="6858000"/>
-          </a:xfrm>
-          <a:prstGeom prst="rect">
-            <a:avLst/>
-          </a:prstGeom>
-          <a:noFill/>
-        </p:spPr>
-      </p:pic>
-    </p:spTree>
-  </p:cSld>
-  <p:clrMapOvr>
-    <a:masterClrMapping/>
-  </p:clrMapOvr>
-  <p:timing>
-    <p:tnLst>
-      <p:par>
-        <p:cTn id="1" dur="indefinite" restart="never" nodeType="tmRoot"/>
-      </p:par>
-    </p:tnLst>
-  </p:timing>
-</p:sld>
-</file>
-
-<file path=ppt/slides/slide6.xml><?xml version="1.0" encoding="utf-8"?>
-<p:sld xmlns:a="http://schemas.openxmlformats.org/drawingml/2006/main" xmlns:r="http://schemas.openxmlformats.org/officeDocument/2006/relationships" xmlns:p="http://schemas.openxmlformats.org/presentationml/2006/main">
-  <p:cSld>
-    <p:spTree>
-      <p:nvGrpSpPr>
-        <p:cNvPr id="1" name=""/>
-        <p:cNvGrpSpPr/>
-        <p:nvPr/>
-      </p:nvGrpSpPr>
-      <p:grpSpPr>
-        <a:xfrm>
-          <a:off x="0" y="0"/>
-          <a:ext cx="0" cy="0"/>
-          <a:chOff x="0" y="0"/>
-          <a:chExt cx="0" cy="0"/>
-        </a:xfrm>
-      </p:grpSpPr>
-      <p:sp>
-        <p:nvSpPr>
-          <p:cNvPr id="3074" name="Rectangle 2"/>
-          <p:cNvSpPr>
-            <a:spLocks noChangeArrowheads="1"/>
-          </p:cNvSpPr>
-          <p:nvPr/>
-        </p:nvSpPr>
-        <p:spPr bwMode="auto">
-          <a:xfrm>
-            <a:off x="0" y="0"/>
-            <a:ext cx="9144000" cy="6858000"/>
-          </a:xfrm>
-          <a:prstGeom prst="rect">
-            <a:avLst/>
-          </a:prstGeom>
-          <a:gradFill rotWithShape="0">
-            <a:gsLst>
-              <a:gs pos="0">
-                <a:srgbClr val="FFFF99"/>
-              </a:gs>
-              <a:gs pos="100000">
-                <a:srgbClr val="00FFFF"/>
-              </a:gs>
-            </a:gsLst>
-            <a:lin ang="5400000" scaled="1"/>
-          </a:gradFill>
-          <a:ln w="9525">
-            <a:solidFill>
-              <a:schemeClr val="tx1"/>
-            </a:solidFill>
-            <a:miter lim="800000"/>
-            <a:headEnd/>
-            <a:tailEnd/>
-          </a:ln>
-          <a:effectLst/>
-        </p:spPr>
-        <p:txBody>
-          <a:bodyPr wrap="none" anchor="ctr"/>
-          <a:lstStyle/>
-          <a:p>
-            <a:endParaRPr lang="zh-TW" altLang="en-US"/>
-          </a:p>
-        </p:txBody>
-      </p:sp>
-      <p:sp>
-        <p:nvSpPr>
-          <p:cNvPr id="3075" name="Rectangle 3"/>
-          <p:cNvSpPr>
-            <a:spLocks noGrp="1" noChangeArrowheads="1"/>
-          </p:cNvSpPr>
-          <p:nvPr>
-            <p:ph type="ctrTitle"/>
-          </p:nvPr>
-        </p:nvSpPr>
-        <p:spPr>
-          <a:xfrm>
-            <a:off x="1752600" y="0"/>
-            <a:ext cx="5181600" cy="914400"/>
-          </a:xfrm>
-        </p:spPr>
-        <p:txBody>
-          <a:bodyPr>
-            <a:normAutofit fontScale="90000"/>
-          </a:bodyPr>
-          <a:lstStyle/>
-          <a:p>
-            <a:r>
-              <a:rPr lang="zh-TW" altLang="en-US" sz="6600" u="sng">
-                <a:solidFill>
-                  <a:srgbClr val="FF3399"/>
-                </a:solidFill>
-                <a:ea typeface="華康特粗楷體" pitchFamily="49" charset="-120"/>
-              </a:rPr>
-              <a:t>愛的  真諦</a:t>
-            </a:r>
-          </a:p>
-        </p:txBody>
-      </p:sp>
-      <p:sp>
-        <p:nvSpPr>
-          <p:cNvPr id="3076" name="Rectangle 4"/>
-          <p:cNvSpPr>
-            <a:spLocks noGrp="1" noChangeArrowheads="1"/>
-          </p:cNvSpPr>
-          <p:nvPr>
-            <p:ph type="subTitle" idx="1"/>
-          </p:nvPr>
-        </p:nvSpPr>
-        <p:spPr>
-          <a:xfrm>
-            <a:off x="0" y="990600"/>
-            <a:ext cx="9144000" cy="5867400"/>
-          </a:xfrm>
-        </p:spPr>
-        <p:txBody>
-          <a:bodyPr/>
-          <a:lstStyle/>
-          <a:p>
-            <a:r>
-              <a:rPr lang="zh-TW" altLang="en-US" b="1" dirty="0">
-                <a:solidFill>
-                  <a:srgbClr val="FF0066"/>
-                </a:solidFill>
-                <a:ea typeface="標楷體" pitchFamily="65" charset="-120"/>
-              </a:rPr>
-              <a:t>愛是恆久忍耐      ，又有恩慈；</a:t>
-            </a:r>
-          </a:p>
-          <a:p>
-            <a:r>
-              <a:rPr lang="zh-TW" altLang="en-US" b="1" dirty="0">
-                <a:solidFill>
-                  <a:srgbClr val="FF0066"/>
-                </a:solidFill>
-                <a:ea typeface="標楷體" pitchFamily="65" charset="-120"/>
-              </a:rPr>
-              <a:t>愛是不嫉妒；愛是不自誇，不張狂，</a:t>
-            </a:r>
-          </a:p>
-          <a:p>
-            <a:r>
-              <a:rPr lang="zh-TW" altLang="en-US" b="1" dirty="0">
-                <a:solidFill>
-                  <a:srgbClr val="FF0066"/>
-                </a:solidFill>
-                <a:ea typeface="標楷體" pitchFamily="65" charset="-120"/>
-              </a:rPr>
-              <a:t>不做害羞的事，不求自己的益處，</a:t>
-            </a:r>
-          </a:p>
-          <a:p>
-            <a:r>
-              <a:rPr lang="zh-TW" altLang="en-US" b="1" dirty="0">
-                <a:solidFill>
-                  <a:srgbClr val="FF0066"/>
-                </a:solidFill>
-                <a:ea typeface="標楷體" pitchFamily="65" charset="-120"/>
-              </a:rPr>
-              <a:t>不輕易發怒，不計算人家的惡，</a:t>
-            </a:r>
-          </a:p>
-          <a:p>
-            <a:r>
-              <a:rPr lang="zh-TW" altLang="en-US" b="1" dirty="0">
-                <a:solidFill>
-                  <a:srgbClr val="FF0066"/>
-                </a:solidFill>
-                <a:ea typeface="標楷體" pitchFamily="65" charset="-120"/>
-              </a:rPr>
-              <a:t>不喜歡不義只喜歡真理；</a:t>
-            </a:r>
-          </a:p>
-          <a:p>
-            <a:r>
-              <a:rPr lang="zh-TW" altLang="en-US" b="1" dirty="0">
-                <a:solidFill>
-                  <a:srgbClr val="FF0066"/>
-                </a:solidFill>
-                <a:ea typeface="標楷體" pitchFamily="65" charset="-120"/>
-              </a:rPr>
-              <a:t>凡事包容，凡事相信，</a:t>
-            </a:r>
-          </a:p>
-          <a:p>
-            <a:r>
-              <a:rPr lang="zh-TW" altLang="en-US" b="1" dirty="0">
-                <a:solidFill>
-                  <a:srgbClr val="FF0066"/>
-                </a:solidFill>
-                <a:ea typeface="標楷體" pitchFamily="65" charset="-120"/>
-              </a:rPr>
-              <a:t>凡事盼望，凡事忍</a:t>
-            </a:r>
-          </a:p>
-          <a:p>
-            <a:r>
-              <a:rPr lang="zh-TW" altLang="en-US" b="1" dirty="0">
-                <a:solidFill>
-                  <a:srgbClr val="FF0066"/>
-                </a:solidFill>
-                <a:ea typeface="標楷體" pitchFamily="65" charset="-120"/>
-              </a:rPr>
-              <a:t>耐凡事要忍耐。</a:t>
-            </a:r>
-          </a:p>
-          <a:p>
-            <a:r>
-              <a:rPr lang="zh-TW" altLang="en-US" b="1" dirty="0">
-                <a:solidFill>
-                  <a:srgbClr val="FF0066"/>
-                </a:solidFill>
-                <a:ea typeface="標楷體" pitchFamily="65" charset="-120"/>
-              </a:rPr>
-              <a:t>愛是永不</a:t>
-            </a:r>
-          </a:p>
-          <a:p>
-            <a:r>
-              <a:rPr lang="zh-TW" altLang="en-US" b="1" dirty="0">
-                <a:solidFill>
-                  <a:srgbClr val="FF0066"/>
-                </a:solidFill>
-                <a:ea typeface="標楷體" pitchFamily="65" charset="-120"/>
-              </a:rPr>
-              <a:t>止息</a:t>
-            </a:r>
-          </a:p>
-          <a:p>
-            <a:endParaRPr lang="zh-TW" altLang="en-US" dirty="0">
-              <a:solidFill>
-                <a:srgbClr val="FF0066"/>
-              </a:solidFill>
-            </a:endParaRPr>
-          </a:p>
-          <a:p>
-            <a:endParaRPr lang="en-US" altLang="zh-TW" dirty="0">
-              <a:solidFill>
-                <a:srgbClr val="FF0066"/>
-              </a:solidFill>
-            </a:endParaRPr>
-          </a:p>
-        </p:txBody>
-      </p:sp>
-      <p:pic>
-        <p:nvPicPr>
-          <p:cNvPr id="3077" name="Picture 5" descr="C:\WINDOWS\Desktop\ClickArt\IMAGES\CELEBHOL\OBSERVNC\VALENTIN\COVDS002.WMF"/>
-          <p:cNvPicPr>
-            <a:picLocks noChangeAspect="1" noChangeArrowheads="1"/>
-          </p:cNvPicPr>
-          <p:nvPr/>
-        </p:nvPicPr>
-        <p:blipFill>
-          <a:blip r:embed="rId2"/>
-          <a:srcRect/>
-          <a:stretch>
-            <a:fillRect/>
-          </a:stretch>
-        </p:blipFill>
-        <p:spPr bwMode="auto">
-          <a:xfrm>
-            <a:off x="0" y="5299075"/>
-            <a:ext cx="1600200" cy="1558925"/>
-          </a:xfrm>
-          <a:prstGeom prst="rect">
-            <a:avLst/>
-          </a:prstGeom>
-          <a:noFill/>
-        </p:spPr>
-      </p:pic>
-      <p:pic>
-        <p:nvPicPr>
-          <p:cNvPr id="3078" name="Picture 6" descr="C:\WINDOWS\Desktop\ClickArt\IMAGES\CELEBHOL\OBSERVNC\VALENTIN\COVDS002.WMF"/>
-          <p:cNvPicPr>
-            <a:picLocks noChangeAspect="1" noChangeArrowheads="1"/>
-          </p:cNvPicPr>
-          <p:nvPr/>
-        </p:nvPicPr>
-        <p:blipFill>
-          <a:blip r:embed="rId2"/>
-          <a:srcRect/>
-          <a:stretch>
-            <a:fillRect/>
-          </a:stretch>
-        </p:blipFill>
-        <p:spPr bwMode="auto">
-          <a:xfrm>
-            <a:off x="7543800" y="0"/>
-            <a:ext cx="1600200" cy="1558925"/>
-          </a:xfrm>
-          <a:prstGeom prst="rect">
-            <a:avLst/>
-          </a:prstGeom>
-          <a:noFill/>
-        </p:spPr>
-      </p:pic>
-      <p:pic>
-        <p:nvPicPr>
-          <p:cNvPr id="3079" name="Picture 7" descr="C:\WINDOWS\Desktop\ClickArt\IMAGES\CELEBHOL\OBSERVNC\VALENTIN\COVDS002.WMF"/>
-          <p:cNvPicPr>
-            <a:picLocks noChangeAspect="1" noChangeArrowheads="1"/>
-          </p:cNvPicPr>
-          <p:nvPr/>
-        </p:nvPicPr>
-        <p:blipFill>
-          <a:blip r:embed="rId2"/>
-          <a:srcRect/>
-          <a:stretch>
-            <a:fillRect/>
-          </a:stretch>
-        </p:blipFill>
-        <p:spPr bwMode="auto">
-          <a:xfrm>
-            <a:off x="0" y="0"/>
-            <a:ext cx="1600200" cy="1558925"/>
-          </a:xfrm>
-          <a:prstGeom prst="rect">
-            <a:avLst/>
-          </a:prstGeom>
-          <a:noFill/>
-        </p:spPr>
-      </p:pic>
-      <p:pic>
-        <p:nvPicPr>
-          <p:cNvPr id="3080" name="Picture 8" descr="C:\WINDOWS\Desktop\ClickArt\IMAGES\CELEBHOL\OBSERVNC\VALENTIN\COVDS002.WMF"/>
-          <p:cNvPicPr>
-            <a:picLocks noChangeAspect="1" noChangeArrowheads="1"/>
-          </p:cNvPicPr>
-          <p:nvPr/>
-        </p:nvPicPr>
-        <p:blipFill>
-          <a:blip r:embed="rId2"/>
-          <a:srcRect/>
-          <a:stretch>
-            <a:fillRect/>
-          </a:stretch>
-        </p:blipFill>
-        <p:spPr bwMode="auto">
-          <a:xfrm>
-            <a:off x="7543800" y="5299075"/>
-            <a:ext cx="1600200" cy="1558925"/>
-          </a:xfrm>
-          <a:prstGeom prst="rect">
-            <a:avLst/>
-          </a:prstGeom>
-          <a:noFill/>
-        </p:spPr>
-      </p:pic>
     </p:spTree>
   </p:cSld>
   <p:clrMapOvr>

--- a/chinese/愛我們的家.pptx
+++ b/chinese/愛我們的家.pptx
@@ -10,7 +10,7 @@
     <p:sldId id="261" r:id="rId4"/>
     <p:sldId id="263" r:id="rId5"/>
   </p:sldIdLst>
-  <p:sldSz cx="9144000" cy="6858000" type="screen4x3"/>
+  <p:sldSz cx="9144000" cy="5143500" type="screen16x9"/>
   <p:notesSz cx="6858000" cy="9144000"/>
   <p:defaultTextStyle>
     <a:defPPr>
@@ -143,8 +143,8 @@
         </p:nvSpPr>
         <p:spPr>
           <a:xfrm>
-            <a:off x="685800" y="2130425"/>
-            <a:ext cx="7772400" cy="1470025"/>
+            <a:off x="685800" y="1597819"/>
+            <a:ext cx="7772400" cy="1102519"/>
           </a:xfrm>
         </p:spPr>
         <p:txBody>
@@ -171,8 +171,8 @@
         </p:nvSpPr>
         <p:spPr>
           <a:xfrm>
-            <a:off x="1371600" y="3886200"/>
-            <a:ext cx="6400800" cy="1752600"/>
+            <a:off x="1371600" y="2914650"/>
+            <a:ext cx="6400800" cy="1314450"/>
           </a:xfrm>
         </p:spPr>
         <p:txBody>
@@ -296,7 +296,7 @@
             <a:fld id="{0044F68E-C29D-4AF6-8399-5D6C07C982BA}" type="datetimeFigureOut">
               <a:rPr lang="en-US" smtClean="0"/>
               <a:pPr/>
-              <a:t>6/22/2019</a:t>
+              <a:t>8/21/2019</a:t>
             </a:fld>
             <a:endParaRPr lang="en-US"/>
           </a:p>
@@ -463,7 +463,7 @@
             <a:fld id="{0044F68E-C29D-4AF6-8399-5D6C07C982BA}" type="datetimeFigureOut">
               <a:rPr lang="en-US" smtClean="0"/>
               <a:pPr/>
-              <a:t>6/22/2019</a:t>
+              <a:t>8/21/2019</a:t>
             </a:fld>
             <a:endParaRPr lang="en-US"/>
           </a:p>
@@ -549,8 +549,8 @@
         </p:nvSpPr>
         <p:spPr>
           <a:xfrm>
-            <a:off x="6629400" y="274638"/>
-            <a:ext cx="2057400" cy="5851525"/>
+            <a:off x="6629400" y="205979"/>
+            <a:ext cx="2057400" cy="4388644"/>
           </a:xfrm>
         </p:spPr>
         <p:txBody>
@@ -577,8 +577,8 @@
         </p:nvSpPr>
         <p:spPr>
           <a:xfrm>
-            <a:off x="457200" y="274638"/>
-            <a:ext cx="6019800" cy="5851525"/>
+            <a:off x="457200" y="205979"/>
+            <a:ext cx="6019800" cy="4388644"/>
           </a:xfrm>
         </p:spPr>
         <p:txBody>
@@ -640,7 +640,7 @@
             <a:fld id="{0044F68E-C29D-4AF6-8399-5D6C07C982BA}" type="datetimeFigureOut">
               <a:rPr lang="en-US" smtClean="0"/>
               <a:pPr/>
-              <a:t>6/22/2019</a:t>
+              <a:t>8/21/2019</a:t>
             </a:fld>
             <a:endParaRPr lang="en-US"/>
           </a:p>
@@ -807,7 +807,7 @@
             <a:fld id="{0044F68E-C29D-4AF6-8399-5D6C07C982BA}" type="datetimeFigureOut">
               <a:rPr lang="en-US" smtClean="0"/>
               <a:pPr/>
-              <a:t>6/22/2019</a:t>
+              <a:t>8/21/2019</a:t>
             </a:fld>
             <a:endParaRPr lang="en-US"/>
           </a:p>
@@ -893,8 +893,8 @@
         </p:nvSpPr>
         <p:spPr>
           <a:xfrm>
-            <a:off x="722313" y="4406900"/>
-            <a:ext cx="7772400" cy="1362075"/>
+            <a:off x="722313" y="3305176"/>
+            <a:ext cx="7772400" cy="1021556"/>
           </a:xfrm>
         </p:spPr>
         <p:txBody>
@@ -925,8 +925,8 @@
         </p:nvSpPr>
         <p:spPr>
           <a:xfrm>
-            <a:off x="722313" y="2906713"/>
-            <a:ext cx="7772400" cy="1500187"/>
+            <a:off x="722313" y="2180035"/>
+            <a:ext cx="7772400" cy="1125140"/>
           </a:xfrm>
         </p:spPr>
         <p:txBody>
@@ -1050,7 +1050,7 @@
             <a:fld id="{0044F68E-C29D-4AF6-8399-5D6C07C982BA}" type="datetimeFigureOut">
               <a:rPr lang="en-US" smtClean="0"/>
               <a:pPr/>
-              <a:t>6/22/2019</a:t>
+              <a:t>8/21/2019</a:t>
             </a:fld>
             <a:endParaRPr lang="en-US"/>
           </a:p>
@@ -1159,8 +1159,8 @@
         </p:nvSpPr>
         <p:spPr>
           <a:xfrm>
-            <a:off x="457200" y="1600200"/>
-            <a:ext cx="4038600" cy="4525963"/>
+            <a:off x="457200" y="1200151"/>
+            <a:ext cx="4038600" cy="3394472"/>
           </a:xfrm>
         </p:spPr>
         <p:txBody>
@@ -1244,8 +1244,8 @@
         </p:nvSpPr>
         <p:spPr>
           <a:xfrm>
-            <a:off x="4648200" y="1600200"/>
-            <a:ext cx="4038600" cy="4525963"/>
+            <a:off x="4648200" y="1200151"/>
+            <a:ext cx="4038600" cy="3394472"/>
           </a:xfrm>
         </p:spPr>
         <p:txBody>
@@ -1335,7 +1335,7 @@
             <a:fld id="{0044F68E-C29D-4AF6-8399-5D6C07C982BA}" type="datetimeFigureOut">
               <a:rPr lang="en-US" smtClean="0"/>
               <a:pPr/>
-              <a:t>6/22/2019</a:t>
+              <a:t>8/21/2019</a:t>
             </a:fld>
             <a:endParaRPr lang="en-US"/>
           </a:p>
@@ -1448,8 +1448,8 @@
         </p:nvSpPr>
         <p:spPr>
           <a:xfrm>
-            <a:off x="457200" y="1535113"/>
-            <a:ext cx="4040188" cy="639762"/>
+            <a:off x="457200" y="1151335"/>
+            <a:ext cx="4040188" cy="479822"/>
           </a:xfrm>
         </p:spPr>
         <p:txBody>
@@ -1513,8 +1513,8 @@
         </p:nvSpPr>
         <p:spPr>
           <a:xfrm>
-            <a:off x="457200" y="2174875"/>
-            <a:ext cx="4040188" cy="3951288"/>
+            <a:off x="457200" y="1631156"/>
+            <a:ext cx="4040188" cy="2963466"/>
           </a:xfrm>
         </p:spPr>
         <p:txBody>
@@ -1598,8 +1598,8 @@
         </p:nvSpPr>
         <p:spPr>
           <a:xfrm>
-            <a:off x="4645025" y="1535113"/>
-            <a:ext cx="4041775" cy="639762"/>
+            <a:off x="4645026" y="1151335"/>
+            <a:ext cx="4041775" cy="479822"/>
           </a:xfrm>
         </p:spPr>
         <p:txBody>
@@ -1663,8 +1663,8 @@
         </p:nvSpPr>
         <p:spPr>
           <a:xfrm>
-            <a:off x="4645025" y="2174875"/>
-            <a:ext cx="4041775" cy="3951288"/>
+            <a:off x="4645026" y="1631156"/>
+            <a:ext cx="4041775" cy="2963466"/>
           </a:xfrm>
         </p:spPr>
         <p:txBody>
@@ -1754,7 +1754,7 @@
             <a:fld id="{0044F68E-C29D-4AF6-8399-5D6C07C982BA}" type="datetimeFigureOut">
               <a:rPr lang="en-US" smtClean="0"/>
               <a:pPr/>
-              <a:t>6/22/2019</a:t>
+              <a:t>8/21/2019</a:t>
             </a:fld>
             <a:endParaRPr lang="en-US"/>
           </a:p>
@@ -1869,7 +1869,7 @@
             <a:fld id="{0044F68E-C29D-4AF6-8399-5D6C07C982BA}" type="datetimeFigureOut">
               <a:rPr lang="en-US" smtClean="0"/>
               <a:pPr/>
-              <a:t>6/22/2019</a:t>
+              <a:t>8/21/2019</a:t>
             </a:fld>
             <a:endParaRPr lang="en-US"/>
           </a:p>
@@ -1961,7 +1961,7 @@
             <a:fld id="{0044F68E-C29D-4AF6-8399-5D6C07C982BA}" type="datetimeFigureOut">
               <a:rPr lang="en-US" smtClean="0"/>
               <a:pPr/>
-              <a:t>6/22/2019</a:t>
+              <a:t>8/21/2019</a:t>
             </a:fld>
             <a:endParaRPr lang="en-US"/>
           </a:p>
@@ -2047,8 +2047,8 @@
         </p:nvSpPr>
         <p:spPr>
           <a:xfrm>
-            <a:off x="457200" y="273050"/>
-            <a:ext cx="3008313" cy="1162050"/>
+            <a:off x="457201" y="204787"/>
+            <a:ext cx="3008313" cy="871538"/>
           </a:xfrm>
         </p:spPr>
         <p:txBody>
@@ -2079,8 +2079,8 @@
         </p:nvSpPr>
         <p:spPr>
           <a:xfrm>
-            <a:off x="3575050" y="273050"/>
-            <a:ext cx="5111750" cy="5853113"/>
+            <a:off x="3575050" y="204788"/>
+            <a:ext cx="5111750" cy="4389835"/>
           </a:xfrm>
         </p:spPr>
         <p:txBody>
@@ -2164,8 +2164,8 @@
         </p:nvSpPr>
         <p:spPr>
           <a:xfrm>
-            <a:off x="457200" y="1435100"/>
-            <a:ext cx="3008313" cy="4691063"/>
+            <a:off x="457201" y="1076326"/>
+            <a:ext cx="3008313" cy="3518297"/>
           </a:xfrm>
         </p:spPr>
         <p:txBody>
@@ -2235,7 +2235,7 @@
             <a:fld id="{0044F68E-C29D-4AF6-8399-5D6C07C982BA}" type="datetimeFigureOut">
               <a:rPr lang="en-US" smtClean="0"/>
               <a:pPr/>
-              <a:t>6/22/2019</a:t>
+              <a:t>8/21/2019</a:t>
             </a:fld>
             <a:endParaRPr lang="en-US"/>
           </a:p>
@@ -2321,8 +2321,8 @@
         </p:nvSpPr>
         <p:spPr>
           <a:xfrm>
-            <a:off x="1792288" y="4800600"/>
-            <a:ext cx="5486400" cy="566738"/>
+            <a:off x="1792288" y="3600450"/>
+            <a:ext cx="5486400" cy="425054"/>
           </a:xfrm>
         </p:spPr>
         <p:txBody>
@@ -2353,8 +2353,8 @@
         </p:nvSpPr>
         <p:spPr>
           <a:xfrm>
-            <a:off x="1792288" y="612775"/>
-            <a:ext cx="5486400" cy="4114800"/>
+            <a:off x="1792288" y="459581"/>
+            <a:ext cx="5486400" cy="3086100"/>
           </a:xfrm>
         </p:spPr>
         <p:txBody>
@@ -2414,8 +2414,8 @@
         </p:nvSpPr>
         <p:spPr>
           <a:xfrm>
-            <a:off x="1792288" y="5367338"/>
-            <a:ext cx="5486400" cy="804862"/>
+            <a:off x="1792288" y="4025503"/>
+            <a:ext cx="5486400" cy="603647"/>
           </a:xfrm>
         </p:spPr>
         <p:txBody>
@@ -2485,7 +2485,7 @@
             <a:fld id="{0044F68E-C29D-4AF6-8399-5D6C07C982BA}" type="datetimeFigureOut">
               <a:rPr lang="en-US" smtClean="0"/>
               <a:pPr/>
-              <a:t>6/22/2019</a:t>
+              <a:t>8/21/2019</a:t>
             </a:fld>
             <a:endParaRPr lang="en-US"/>
           </a:p>
@@ -2576,8 +2576,8 @@
         </p:nvSpPr>
         <p:spPr>
           <a:xfrm>
-            <a:off x="457200" y="274638"/>
-            <a:ext cx="8229600" cy="1143000"/>
+            <a:off x="457200" y="205978"/>
+            <a:ext cx="8229600" cy="857250"/>
           </a:xfrm>
           <a:prstGeom prst="rect">
             <a:avLst/>
@@ -2609,8 +2609,8 @@
         </p:nvSpPr>
         <p:spPr>
           <a:xfrm>
-            <a:off x="457200" y="1600200"/>
-            <a:ext cx="8229600" cy="4525963"/>
+            <a:off x="457200" y="1200151"/>
+            <a:ext cx="8229600" cy="3394472"/>
           </a:xfrm>
           <a:prstGeom prst="rect">
             <a:avLst/>
@@ -2671,8 +2671,8 @@
         </p:nvSpPr>
         <p:spPr>
           <a:xfrm>
-            <a:off x="457200" y="6356350"/>
-            <a:ext cx="2133600" cy="365125"/>
+            <a:off x="457200" y="4767263"/>
+            <a:ext cx="2133600" cy="273844"/>
           </a:xfrm>
           <a:prstGeom prst="rect">
             <a:avLst/>
@@ -2695,7 +2695,7 @@
             <a:fld id="{0044F68E-C29D-4AF6-8399-5D6C07C982BA}" type="datetimeFigureOut">
               <a:rPr lang="en-US" smtClean="0"/>
               <a:pPr/>
-              <a:t>6/22/2019</a:t>
+              <a:t>8/21/2019</a:t>
             </a:fld>
             <a:endParaRPr lang="en-US"/>
           </a:p>
@@ -2713,8 +2713,8 @@
         </p:nvSpPr>
         <p:spPr>
           <a:xfrm>
-            <a:off x="3124200" y="6356350"/>
-            <a:ext cx="2895600" cy="365125"/>
+            <a:off x="3124200" y="4767263"/>
+            <a:ext cx="2895600" cy="273844"/>
           </a:xfrm>
           <a:prstGeom prst="rect">
             <a:avLst/>
@@ -2750,8 +2750,8 @@
         </p:nvSpPr>
         <p:spPr>
           <a:xfrm>
-            <a:off x="6553200" y="6356350"/>
-            <a:ext cx="2133600" cy="365125"/>
+            <a:off x="6553200" y="4767263"/>
+            <a:ext cx="2133600" cy="273844"/>
           </a:xfrm>
           <a:prstGeom prst="rect">
             <a:avLst/>
@@ -3084,7 +3084,7 @@
         <p:spPr bwMode="auto">
           <a:xfrm>
             <a:off x="0" y="0"/>
-            <a:ext cx="9124399" cy="6858000"/>
+            <a:ext cx="9124399" cy="5143500"/>
           </a:xfrm>
           <a:prstGeom prst="rect">
             <a:avLst/>
@@ -3097,7 +3097,7 @@
           <p:cNvPr id="5" name="Title 1">
             <a:extLst>
               <a:ext uri="{FF2B5EF4-FFF2-40B4-BE49-F238E27FC236}">
-                <a16:creationId xmlns="" xmlns:a16="http://schemas.microsoft.com/office/drawing/2014/main" id="{4A6AF4A2-D899-4342-A548-410A8994E188}"/>
+                <a16:creationId xmlns:a16="http://schemas.microsoft.com/office/drawing/2014/main" xmlns="" id="{4A6AF4A2-D899-4342-A548-410A8994E188}"/>
               </a:ext>
             </a:extLst>
           </p:cNvPr>
@@ -3108,8 +3108,8 @@
         </p:nvSpPr>
         <p:spPr>
           <a:xfrm>
-            <a:off x="1873405" y="1598350"/>
-            <a:ext cx="3947531" cy="2475571"/>
+            <a:off x="1873405" y="1198763"/>
+            <a:ext cx="3947531" cy="1856678"/>
           </a:xfrm>
           <a:prstGeom prst="rect">
             <a:avLst/>
@@ -3263,8 +3263,8 @@
         </p:blipFill>
         <p:spPr bwMode="auto">
           <a:xfrm>
-            <a:off x="312233" y="758283"/>
-            <a:ext cx="1568607" cy="2367527"/>
+            <a:off x="312233" y="568713"/>
+            <a:ext cx="1568607" cy="1775645"/>
           </a:xfrm>
           <a:prstGeom prst="rect">
             <a:avLst/>
@@ -3289,8 +3289,8 @@
         </p:blipFill>
         <p:spPr bwMode="auto">
           <a:xfrm>
-            <a:off x="3434035" y="3494046"/>
-            <a:ext cx="1284382" cy="1211768"/>
+            <a:off x="3434035" y="2620535"/>
+            <a:ext cx="1284382" cy="908826"/>
           </a:xfrm>
           <a:prstGeom prst="rect">
             <a:avLst/>
@@ -3315,8 +3315,8 @@
         </p:blipFill>
         <p:spPr bwMode="auto">
           <a:xfrm>
-            <a:off x="5627650" y="1417445"/>
-            <a:ext cx="1397620" cy="1913053"/>
+            <a:off x="5627650" y="1063084"/>
+            <a:ext cx="1397620" cy="1434790"/>
           </a:xfrm>
           <a:prstGeom prst="rect">
             <a:avLst/>
@@ -3341,8 +3341,8 @@
         </p:blipFill>
         <p:spPr bwMode="auto">
           <a:xfrm>
-            <a:off x="3601403" y="3077736"/>
-            <a:ext cx="2036351" cy="237892"/>
+            <a:off x="3601404" y="2308302"/>
+            <a:ext cx="2036351" cy="178419"/>
           </a:xfrm>
           <a:prstGeom prst="rect">
             <a:avLst/>
@@ -3400,7 +3400,7 @@
         <p:spPr bwMode="auto">
           <a:xfrm>
             <a:off x="0" y="0"/>
-            <a:ext cx="9144000" cy="6858002"/>
+            <a:ext cx="9144000" cy="5143502"/>
           </a:xfrm>
           <a:prstGeom prst="rect">
             <a:avLst/>
@@ -3420,8 +3420,8 @@
         </p:nvSpPr>
         <p:spPr>
           <a:xfrm>
-            <a:off x="535259" y="1739576"/>
-            <a:ext cx="8408018" cy="4021880"/>
+            <a:off x="546982" y="988158"/>
+            <a:ext cx="8408018" cy="3016410"/>
           </a:xfrm>
         </p:spPr>
         <p:txBody>
@@ -3434,7 +3434,7 @@
               <a:buNone/>
             </a:pPr>
             <a:r>
-              <a:rPr lang="zh-TW" altLang="en-US" sz="6000" b="1" dirty="0" smtClean="0">
+              <a:rPr lang="zh-TW" altLang="en-US" sz="5400" b="1" dirty="0" smtClean="0">
                 <a:solidFill>
                   <a:srgbClr val="C00000"/>
                 </a:solidFill>
@@ -3444,7 +3444,7 @@
               <a:t>每個人愛</a:t>
             </a:r>
             <a:r>
-              <a:rPr lang="zh-CN" altLang="en-US" sz="6000" b="1" dirty="0" smtClean="0">
+              <a:rPr lang="zh-CN" altLang="en-US" sz="5400" b="1" dirty="0" smtClean="0">
                 <a:solidFill>
                   <a:srgbClr val="C00000"/>
                 </a:solidFill>
@@ -3454,7 +3454,7 @@
               <a:t>它</a:t>
             </a:r>
             <a:r>
-              <a:rPr lang="zh-TW" altLang="en-US" sz="6000" b="1" dirty="0" smtClean="0">
+              <a:rPr lang="zh-TW" altLang="en-US" sz="5400" b="1" dirty="0" smtClean="0">
                 <a:solidFill>
                   <a:srgbClr val="C00000"/>
                 </a:solidFill>
@@ -3463,7 +3463,7 @@
               </a:rPr>
               <a:t>家就有光彩</a:t>
             </a:r>
-            <a:endParaRPr lang="en-US" altLang="zh-TW" sz="6000" b="1" dirty="0" smtClean="0">
+            <a:endParaRPr lang="en-US" altLang="zh-TW" sz="5400" b="1" dirty="0" smtClean="0">
               <a:solidFill>
                 <a:srgbClr val="C00000"/>
               </a:solidFill>
@@ -3476,82 +3476,82 @@
               <a:buNone/>
             </a:pPr>
             <a:r>
-              <a:rPr lang="en-US" sz="4000" dirty="0" err="1" smtClean="0"/>
+              <a:rPr lang="en-US" sz="3600" dirty="0" err="1" smtClean="0"/>
               <a:t>Měi</a:t>
             </a:r>
             <a:r>
-              <a:rPr lang="en-US" sz="4000" dirty="0" smtClean="0"/>
-              <a:t> </a:t>
-            </a:r>
-            <a:r>
-              <a:rPr lang="en-US" sz="4000" dirty="0" err="1" smtClean="0"/>
+              <a:rPr lang="en-US" sz="3600" dirty="0" smtClean="0"/>
+              <a:t> </a:t>
+            </a:r>
+            <a:r>
+              <a:rPr lang="en-US" sz="3600" dirty="0" err="1" smtClean="0"/>
               <a:t>gè</a:t>
             </a:r>
             <a:r>
-              <a:rPr lang="en-US" sz="4000" dirty="0" smtClean="0"/>
-              <a:t> </a:t>
-            </a:r>
-            <a:r>
-              <a:rPr lang="en-US" sz="4000" dirty="0" err="1" smtClean="0"/>
+              <a:rPr lang="en-US" sz="3600" dirty="0" smtClean="0"/>
+              <a:t> </a:t>
+            </a:r>
+            <a:r>
+              <a:rPr lang="en-US" sz="3600" dirty="0" err="1" smtClean="0"/>
               <a:t>rén</a:t>
             </a:r>
             <a:r>
-              <a:rPr lang="en-US" sz="4000" dirty="0" smtClean="0"/>
-              <a:t> </a:t>
-            </a:r>
-            <a:r>
-              <a:rPr lang="en-US" sz="4000" dirty="0" err="1" smtClean="0"/>
+              <a:rPr lang="en-US" sz="3600" dirty="0" smtClean="0"/>
+              <a:t> </a:t>
+            </a:r>
+            <a:r>
+              <a:rPr lang="en-US" sz="3600" dirty="0" err="1" smtClean="0"/>
               <a:t>ài</a:t>
             </a:r>
             <a:r>
-              <a:rPr lang="en-US" sz="4000" dirty="0" smtClean="0"/>
-              <a:t> </a:t>
-            </a:r>
-            <a:r>
-              <a:rPr lang="en-US" sz="4000" dirty="0" err="1" smtClean="0"/>
+              <a:rPr lang="en-US" sz="3600" dirty="0" smtClean="0"/>
+              <a:t> </a:t>
+            </a:r>
+            <a:r>
+              <a:rPr lang="en-US" sz="3600" dirty="0" err="1" smtClean="0"/>
               <a:t>tā</a:t>
             </a:r>
             <a:r>
-              <a:rPr lang="en-US" sz="4000" dirty="0" smtClean="0"/>
-              <a:t> </a:t>
-            </a:r>
-            <a:r>
-              <a:rPr lang="en-US" sz="4000" dirty="0" err="1" smtClean="0"/>
+              <a:rPr lang="en-US" sz="3600" dirty="0" smtClean="0"/>
+              <a:t> </a:t>
+            </a:r>
+            <a:r>
+              <a:rPr lang="en-US" sz="3600" dirty="0" err="1" smtClean="0"/>
               <a:t>jiā</a:t>
             </a:r>
             <a:r>
-              <a:rPr lang="en-US" sz="4000" dirty="0" smtClean="0"/>
-              <a:t> </a:t>
-            </a:r>
-            <a:r>
-              <a:rPr lang="en-US" sz="4000" dirty="0" err="1" smtClean="0"/>
+              <a:rPr lang="en-US" sz="3600" dirty="0" smtClean="0"/>
+              <a:t> </a:t>
+            </a:r>
+            <a:r>
+              <a:rPr lang="en-US" sz="3600" dirty="0" err="1" smtClean="0"/>
               <a:t>jiù</a:t>
             </a:r>
             <a:r>
-              <a:rPr lang="en-US" sz="4000" dirty="0" smtClean="0"/>
-              <a:t> </a:t>
-            </a:r>
-            <a:r>
-              <a:rPr lang="en-US" sz="4000" dirty="0" err="1" smtClean="0"/>
+              <a:rPr lang="en-US" sz="3600" dirty="0" smtClean="0"/>
+              <a:t> </a:t>
+            </a:r>
+            <a:r>
+              <a:rPr lang="en-US" sz="3600" dirty="0" err="1" smtClean="0"/>
               <a:t>yǒu</a:t>
             </a:r>
             <a:r>
-              <a:rPr lang="en-US" sz="4000" dirty="0" smtClean="0"/>
-              <a:t> </a:t>
-            </a:r>
-            <a:r>
-              <a:rPr lang="en-US" sz="4000" dirty="0" err="1" smtClean="0"/>
+              <a:rPr lang="en-US" sz="3600" dirty="0" smtClean="0"/>
+              <a:t> </a:t>
+            </a:r>
+            <a:r>
+              <a:rPr lang="en-US" sz="3600" dirty="0" err="1" smtClean="0"/>
               <a:t>guāng</a:t>
             </a:r>
             <a:r>
-              <a:rPr lang="en-US" sz="4000" dirty="0" smtClean="0"/>
-              <a:t> </a:t>
-            </a:r>
-            <a:r>
-              <a:rPr lang="en-US" sz="4000" dirty="0" err="1" smtClean="0"/>
+              <a:rPr lang="en-US" sz="3600" dirty="0" smtClean="0"/>
+              <a:t> </a:t>
+            </a:r>
+            <a:r>
+              <a:rPr lang="en-US" sz="3600" dirty="0" err="1" smtClean="0"/>
               <a:t>cǎi</a:t>
             </a:r>
-            <a:endParaRPr lang="en-US" altLang="zh-TW" sz="4000" b="1" dirty="0" smtClean="0">
+            <a:endParaRPr lang="en-US" altLang="zh-TW" sz="3600" b="1" dirty="0" smtClean="0">
               <a:solidFill>
                 <a:srgbClr val="C00000"/>
               </a:solidFill>
@@ -3564,7 +3564,7 @@
               <a:buNone/>
             </a:pPr>
             <a:r>
-              <a:rPr lang="zh-TW" altLang="en-US" sz="6000" b="1" dirty="0" smtClean="0">
+              <a:rPr lang="zh-TW" altLang="en-US" sz="5400" b="1" dirty="0" smtClean="0">
                 <a:solidFill>
                   <a:srgbClr val="C00000"/>
                 </a:solidFill>
@@ -3573,7 +3573,7 @@
               </a:rPr>
               <a:t>每個人付出家就不孤獨</a:t>
             </a:r>
-            <a:endParaRPr lang="en-US" altLang="zh-TW" sz="6000" b="1" dirty="0" smtClean="0">
+            <a:endParaRPr lang="en-US" altLang="zh-TW" sz="5400" b="1" dirty="0" smtClean="0">
               <a:solidFill>
                 <a:srgbClr val="C00000"/>
               </a:solidFill>
@@ -3586,82 +3586,82 @@
               <a:buNone/>
             </a:pPr>
             <a:r>
-              <a:rPr lang="en-US" sz="4400" dirty="0" err="1" smtClean="0"/>
+              <a:rPr lang="en-US" sz="4000" dirty="0" err="1" smtClean="0"/>
               <a:t>měi</a:t>
             </a:r>
             <a:r>
-              <a:rPr lang="en-US" sz="4400" dirty="0" smtClean="0"/>
-              <a:t> </a:t>
-            </a:r>
-            <a:r>
-              <a:rPr lang="en-US" sz="4400" dirty="0" err="1" smtClean="0"/>
+              <a:rPr lang="en-US" sz="4000" dirty="0" smtClean="0"/>
+              <a:t> </a:t>
+            </a:r>
+            <a:r>
+              <a:rPr lang="en-US" sz="4000" dirty="0" err="1" smtClean="0"/>
               <a:t>gè</a:t>
             </a:r>
             <a:r>
-              <a:rPr lang="en-US" sz="4400" dirty="0" smtClean="0"/>
-              <a:t> </a:t>
-            </a:r>
-            <a:r>
-              <a:rPr lang="en-US" sz="4400" dirty="0" err="1" smtClean="0"/>
+              <a:rPr lang="en-US" sz="4000" dirty="0" smtClean="0"/>
+              <a:t> </a:t>
+            </a:r>
+            <a:r>
+              <a:rPr lang="en-US" sz="4000" dirty="0" err="1" smtClean="0"/>
               <a:t>rén</a:t>
             </a:r>
             <a:r>
-              <a:rPr lang="en-US" sz="4400" dirty="0" smtClean="0"/>
-              <a:t> </a:t>
-            </a:r>
-            <a:r>
-              <a:rPr lang="en-US" sz="4400" dirty="0" err="1" smtClean="0"/>
+              <a:rPr lang="en-US" sz="4000" dirty="0" smtClean="0"/>
+              <a:t> </a:t>
+            </a:r>
+            <a:r>
+              <a:rPr lang="en-US" sz="4000" dirty="0" err="1" smtClean="0"/>
               <a:t>fù</a:t>
             </a:r>
             <a:r>
-              <a:rPr lang="en-US" sz="4400" dirty="0" smtClean="0"/>
-              <a:t> </a:t>
-            </a:r>
-            <a:r>
-              <a:rPr lang="en-US" sz="4400" dirty="0" err="1" smtClean="0"/>
+              <a:rPr lang="en-US" sz="4000" dirty="0" smtClean="0"/>
+              <a:t> </a:t>
+            </a:r>
+            <a:r>
+              <a:rPr lang="en-US" sz="4000" dirty="0" err="1" smtClean="0"/>
               <a:t>chū</a:t>
             </a:r>
             <a:r>
-              <a:rPr lang="en-US" sz="4400" dirty="0" smtClean="0"/>
-              <a:t> </a:t>
-            </a:r>
-            <a:r>
-              <a:rPr lang="en-US" sz="4400" dirty="0" err="1" smtClean="0"/>
+              <a:rPr lang="en-US" sz="4000" dirty="0" smtClean="0"/>
+              <a:t> </a:t>
+            </a:r>
+            <a:r>
+              <a:rPr lang="en-US" sz="4000" dirty="0" err="1" smtClean="0"/>
               <a:t>jiā</a:t>
             </a:r>
             <a:r>
-              <a:rPr lang="en-US" sz="4400" dirty="0" smtClean="0"/>
-              <a:t> </a:t>
-            </a:r>
-            <a:r>
-              <a:rPr lang="en-US" sz="4400" dirty="0" err="1" smtClean="0"/>
+              <a:rPr lang="en-US" sz="4000" dirty="0" smtClean="0"/>
+              <a:t> </a:t>
+            </a:r>
+            <a:r>
+              <a:rPr lang="en-US" sz="4000" dirty="0" err="1" smtClean="0"/>
               <a:t>jiù</a:t>
             </a:r>
             <a:r>
-              <a:rPr lang="en-US" sz="4400" dirty="0" smtClean="0"/>
-              <a:t> </a:t>
-            </a:r>
-            <a:r>
-              <a:rPr lang="en-US" sz="4400" dirty="0" err="1" smtClean="0"/>
+              <a:rPr lang="en-US" sz="4000" dirty="0" smtClean="0"/>
+              <a:t> </a:t>
+            </a:r>
+            <a:r>
+              <a:rPr lang="en-US" sz="4000" dirty="0" err="1" smtClean="0"/>
               <a:t>bù</a:t>
             </a:r>
             <a:r>
-              <a:rPr lang="en-US" sz="4400" dirty="0" smtClean="0"/>
-              <a:t> </a:t>
-            </a:r>
-            <a:r>
-              <a:rPr lang="en-US" sz="4400" dirty="0" err="1" smtClean="0"/>
+              <a:rPr lang="en-US" sz="4000" dirty="0" smtClean="0"/>
+              <a:t> </a:t>
+            </a:r>
+            <a:r>
+              <a:rPr lang="en-US" sz="4000" dirty="0" err="1" smtClean="0"/>
               <a:t>gū</a:t>
             </a:r>
             <a:r>
-              <a:rPr lang="en-US" sz="4400" dirty="0" smtClean="0"/>
-              <a:t> </a:t>
-            </a:r>
-            <a:r>
-              <a:rPr lang="en-US" sz="4400" dirty="0" err="1" smtClean="0"/>
+              <a:rPr lang="en-US" sz="4000" dirty="0" smtClean="0"/>
+              <a:t> </a:t>
+            </a:r>
+            <a:r>
+              <a:rPr lang="en-US" sz="4000" dirty="0" err="1" smtClean="0"/>
               <a:t>dú</a:t>
             </a:r>
-            <a:endParaRPr lang="zh-TW" altLang="en-US" sz="4400" b="1" dirty="0" smtClean="0">
+            <a:endParaRPr lang="zh-TW" altLang="en-US" sz="4000" b="1" dirty="0" smtClean="0">
               <a:solidFill>
                 <a:srgbClr val="C00000"/>
               </a:solidFill>
@@ -3721,7 +3721,7 @@
         <p:spPr bwMode="auto">
           <a:xfrm>
             <a:off x="0" y="0"/>
-            <a:ext cx="9144000" cy="6858000"/>
+            <a:ext cx="9144000" cy="5143500"/>
           </a:xfrm>
           <a:prstGeom prst="rect">
             <a:avLst/>
@@ -3741,8 +3741,8 @@
         </p:nvSpPr>
         <p:spPr>
           <a:xfrm>
-            <a:off x="661640" y="2096433"/>
-            <a:ext cx="7954537" cy="3777622"/>
+            <a:off x="714395" y="1396479"/>
+            <a:ext cx="7954537" cy="2833217"/>
           </a:xfrm>
         </p:spPr>
         <p:txBody>
@@ -3755,7 +3755,7 @@
               <a:buNone/>
             </a:pPr>
             <a:r>
-              <a:rPr lang="zh-TW" altLang="en-US" sz="6000" b="1" dirty="0" smtClean="0">
+              <a:rPr lang="zh-TW" altLang="en-US" sz="5400" b="1" dirty="0" smtClean="0">
                 <a:solidFill>
                   <a:srgbClr val="FF0000"/>
                 </a:solidFill>
@@ -3764,7 +3764,7 @@
               </a:rPr>
               <a:t>每個人珍惜家就有甜蜜</a:t>
             </a:r>
-            <a:endParaRPr lang="en-US" altLang="zh-TW" sz="6000" b="1" dirty="0" smtClean="0">
+            <a:endParaRPr lang="en-US" altLang="zh-TW" sz="5400" b="1" dirty="0" smtClean="0">
               <a:solidFill>
                 <a:srgbClr val="FF0000"/>
               </a:solidFill>
@@ -3777,82 +3777,82 @@
               <a:buNone/>
             </a:pPr>
             <a:r>
-              <a:rPr lang="en-US" sz="4000" dirty="0" err="1" smtClean="0"/>
+              <a:rPr lang="en-US" sz="3600" dirty="0" err="1" smtClean="0"/>
               <a:t>měi</a:t>
             </a:r>
             <a:r>
-              <a:rPr lang="en-US" sz="4000" dirty="0" smtClean="0"/>
-              <a:t> </a:t>
-            </a:r>
-            <a:r>
-              <a:rPr lang="en-US" sz="4000" dirty="0" err="1" smtClean="0"/>
+              <a:rPr lang="en-US" sz="3600" dirty="0" smtClean="0"/>
+              <a:t> </a:t>
+            </a:r>
+            <a:r>
+              <a:rPr lang="en-US" sz="3600" dirty="0" err="1" smtClean="0"/>
               <a:t>gè</a:t>
             </a:r>
             <a:r>
-              <a:rPr lang="en-US" sz="4000" dirty="0" smtClean="0"/>
-              <a:t> </a:t>
-            </a:r>
-            <a:r>
-              <a:rPr lang="en-US" sz="4000" dirty="0" err="1" smtClean="0"/>
+              <a:rPr lang="en-US" sz="3600" dirty="0" smtClean="0"/>
+              <a:t> </a:t>
+            </a:r>
+            <a:r>
+              <a:rPr lang="en-US" sz="3600" dirty="0" err="1" smtClean="0"/>
               <a:t>rén</a:t>
             </a:r>
             <a:r>
-              <a:rPr lang="en-US" sz="4000" dirty="0" smtClean="0"/>
-              <a:t> </a:t>
-            </a:r>
-            <a:r>
-              <a:rPr lang="en-US" sz="4000" dirty="0" err="1" smtClean="0"/>
+              <a:rPr lang="en-US" sz="3600" dirty="0" smtClean="0"/>
+              <a:t> </a:t>
+            </a:r>
+            <a:r>
+              <a:rPr lang="en-US" sz="3600" dirty="0" err="1" smtClean="0"/>
               <a:t>zhēn</a:t>
             </a:r>
             <a:r>
-              <a:rPr lang="en-US" sz="4000" dirty="0" smtClean="0"/>
-              <a:t> </a:t>
-            </a:r>
-            <a:r>
-              <a:rPr lang="en-US" sz="4000" dirty="0" err="1" smtClean="0"/>
+              <a:rPr lang="en-US" sz="3600" dirty="0" smtClean="0"/>
+              <a:t> </a:t>
+            </a:r>
+            <a:r>
+              <a:rPr lang="en-US" sz="3600" dirty="0" err="1" smtClean="0"/>
               <a:t>xī</a:t>
             </a:r>
             <a:r>
-              <a:rPr lang="en-US" sz="4000" dirty="0" smtClean="0"/>
+              <a:rPr lang="en-US" sz="3600" dirty="0" smtClean="0"/>
               <a:t>   </a:t>
             </a:r>
             <a:r>
-              <a:rPr lang="en-US" sz="4000" dirty="0" err="1" smtClean="0"/>
+              <a:rPr lang="en-US" sz="3600" dirty="0" err="1" smtClean="0"/>
               <a:t>jiā</a:t>
             </a:r>
             <a:r>
-              <a:rPr lang="en-US" sz="4000" dirty="0" smtClean="0"/>
+              <a:rPr lang="en-US" sz="3600" dirty="0" smtClean="0"/>
               <a:t>  </a:t>
             </a:r>
             <a:r>
-              <a:rPr lang="en-US" sz="4000" dirty="0" err="1" smtClean="0"/>
+              <a:rPr lang="en-US" sz="3600" dirty="0" err="1" smtClean="0"/>
               <a:t>jiù</a:t>
             </a:r>
             <a:r>
-              <a:rPr lang="en-US" sz="4000" dirty="0" smtClean="0"/>
-              <a:t> </a:t>
-            </a:r>
-            <a:r>
-              <a:rPr lang="en-US" sz="4000" dirty="0" err="1" smtClean="0"/>
+              <a:rPr lang="en-US" sz="3600" dirty="0" smtClean="0"/>
+              <a:t> </a:t>
+            </a:r>
+            <a:r>
+              <a:rPr lang="en-US" sz="3600" dirty="0" err="1" smtClean="0"/>
               <a:t>yǒu</a:t>
             </a:r>
             <a:r>
-              <a:rPr lang="en-US" sz="4000" dirty="0" smtClean="0"/>
-              <a:t> </a:t>
-            </a:r>
-            <a:r>
-              <a:rPr lang="en-US" sz="4000" dirty="0" err="1" smtClean="0"/>
+              <a:rPr lang="en-US" sz="3600" dirty="0" smtClean="0"/>
+              <a:t> </a:t>
+            </a:r>
+            <a:r>
+              <a:rPr lang="en-US" sz="3600" dirty="0" err="1" smtClean="0"/>
               <a:t>tián</a:t>
             </a:r>
             <a:r>
-              <a:rPr lang="en-US" sz="4000" dirty="0" smtClean="0"/>
-              <a:t> </a:t>
-            </a:r>
-            <a:r>
-              <a:rPr lang="en-US" sz="4000" dirty="0" err="1" smtClean="0"/>
+              <a:rPr lang="en-US" sz="3600" dirty="0" smtClean="0"/>
+              <a:t> </a:t>
+            </a:r>
+            <a:r>
+              <a:rPr lang="en-US" sz="3600" dirty="0" err="1" smtClean="0"/>
               <a:t>mì</a:t>
             </a:r>
-            <a:endParaRPr lang="en-US" altLang="zh-TW" sz="4000" b="1" dirty="0" smtClean="0">
+            <a:endParaRPr lang="en-US" altLang="zh-TW" sz="3600" b="1" dirty="0" smtClean="0">
               <a:solidFill>
                 <a:srgbClr val="FF0000"/>
               </a:solidFill>
@@ -3865,7 +3865,7 @@
               <a:buNone/>
             </a:pPr>
             <a:r>
-              <a:rPr lang="zh-TW" altLang="en-US" sz="6000" b="1" dirty="0" smtClean="0">
+              <a:rPr lang="zh-TW" altLang="en-US" sz="5400" b="1" dirty="0" smtClean="0">
                 <a:solidFill>
                   <a:srgbClr val="FF0000"/>
                 </a:solidFill>
@@ -3874,7 +3874,7 @@
               </a:rPr>
               <a:t>每個人寬恕家就有幸福</a:t>
             </a:r>
-            <a:endParaRPr lang="en-US" altLang="zh-TW" sz="6000" b="1" dirty="0" smtClean="0">
+            <a:endParaRPr lang="en-US" altLang="zh-TW" sz="5400" b="1" dirty="0" smtClean="0">
               <a:solidFill>
                 <a:srgbClr val="FF0000"/>
               </a:solidFill>
@@ -3887,82 +3887,82 @@
               <a:buNone/>
             </a:pPr>
             <a:r>
-              <a:rPr lang="en-US" sz="4000" dirty="0" err="1" smtClean="0"/>
+              <a:rPr lang="en-US" sz="3600" dirty="0" err="1" smtClean="0"/>
               <a:t>měi</a:t>
             </a:r>
             <a:r>
-              <a:rPr lang="en-US" sz="4000" dirty="0" smtClean="0"/>
-              <a:t> </a:t>
-            </a:r>
-            <a:r>
-              <a:rPr lang="en-US" sz="4000" dirty="0" err="1" smtClean="0"/>
+              <a:rPr lang="en-US" sz="3600" dirty="0" smtClean="0"/>
+              <a:t> </a:t>
+            </a:r>
+            <a:r>
+              <a:rPr lang="en-US" sz="3600" dirty="0" err="1" smtClean="0"/>
               <a:t>gè</a:t>
             </a:r>
             <a:r>
-              <a:rPr lang="en-US" sz="4000" dirty="0" smtClean="0"/>
-              <a:t> </a:t>
-            </a:r>
-            <a:r>
-              <a:rPr lang="en-US" sz="4000" dirty="0" err="1" smtClean="0"/>
+              <a:rPr lang="en-US" sz="3600" dirty="0" smtClean="0"/>
+              <a:t> </a:t>
+            </a:r>
+            <a:r>
+              <a:rPr lang="en-US" sz="3600" dirty="0" err="1" smtClean="0"/>
               <a:t>rén</a:t>
             </a:r>
             <a:r>
-              <a:rPr lang="en-US" sz="4000" dirty="0" smtClean="0"/>
-              <a:t> </a:t>
-            </a:r>
-            <a:r>
-              <a:rPr lang="en-US" sz="4000" dirty="0" err="1" smtClean="0"/>
+              <a:rPr lang="en-US" sz="3600" dirty="0" smtClean="0"/>
+              <a:t> </a:t>
+            </a:r>
+            <a:r>
+              <a:rPr lang="en-US" sz="3600" dirty="0" err="1" smtClean="0"/>
               <a:t>kuān</a:t>
             </a:r>
             <a:r>
-              <a:rPr lang="en-US" sz="4000" dirty="0" smtClean="0"/>
-              <a:t> </a:t>
-            </a:r>
-            <a:r>
-              <a:rPr lang="en-US" sz="4000" dirty="0" err="1" smtClean="0"/>
+              <a:rPr lang="en-US" sz="3600" dirty="0" smtClean="0"/>
+              <a:t> </a:t>
+            </a:r>
+            <a:r>
+              <a:rPr lang="en-US" sz="3600" dirty="0" err="1" smtClean="0"/>
               <a:t>shù</a:t>
             </a:r>
             <a:r>
-              <a:rPr lang="en-US" sz="4000" dirty="0" smtClean="0"/>
-              <a:t> </a:t>
-            </a:r>
-            <a:r>
-              <a:rPr lang="en-US" sz="4000" dirty="0" err="1" smtClean="0"/>
+              <a:rPr lang="en-US" sz="3600" dirty="0" smtClean="0"/>
+              <a:t> </a:t>
+            </a:r>
+            <a:r>
+              <a:rPr lang="en-US" sz="3600" dirty="0" err="1" smtClean="0"/>
               <a:t>jiā</a:t>
             </a:r>
             <a:r>
-              <a:rPr lang="en-US" sz="4000" dirty="0" smtClean="0"/>
-              <a:t> </a:t>
-            </a:r>
-            <a:r>
-              <a:rPr lang="en-US" sz="4000" dirty="0" err="1" smtClean="0"/>
+              <a:rPr lang="en-US" sz="3600" dirty="0" smtClean="0"/>
+              <a:t> </a:t>
+            </a:r>
+            <a:r>
+              <a:rPr lang="en-US" sz="3600" dirty="0" err="1" smtClean="0"/>
               <a:t>jiù</a:t>
             </a:r>
             <a:r>
-              <a:rPr lang="en-US" sz="4000" dirty="0" smtClean="0"/>
-              <a:t> </a:t>
-            </a:r>
-            <a:r>
-              <a:rPr lang="en-US" sz="4000" dirty="0" err="1" smtClean="0"/>
+              <a:rPr lang="en-US" sz="3600" dirty="0" smtClean="0"/>
+              <a:t> </a:t>
+            </a:r>
+            <a:r>
+              <a:rPr lang="en-US" sz="3600" dirty="0" err="1" smtClean="0"/>
               <a:t>yǒu</a:t>
             </a:r>
             <a:r>
-              <a:rPr lang="en-US" sz="4000" dirty="0" smtClean="0"/>
-              <a:t> </a:t>
-            </a:r>
-            <a:r>
-              <a:rPr lang="en-US" sz="4000" dirty="0" err="1" smtClean="0"/>
+              <a:rPr lang="en-US" sz="3600" dirty="0" smtClean="0"/>
+              <a:t> </a:t>
+            </a:r>
+            <a:r>
+              <a:rPr lang="en-US" sz="3600" dirty="0" err="1" smtClean="0"/>
               <a:t>xìng</a:t>
             </a:r>
             <a:r>
-              <a:rPr lang="en-US" sz="4000" dirty="0" smtClean="0"/>
-              <a:t> </a:t>
-            </a:r>
-            <a:r>
-              <a:rPr lang="en-US" sz="4000" dirty="0" err="1" smtClean="0"/>
+              <a:rPr lang="en-US" sz="3600" dirty="0" smtClean="0"/>
+              <a:t> </a:t>
+            </a:r>
+            <a:r>
+              <a:rPr lang="en-US" sz="3600" dirty="0" err="1" smtClean="0"/>
               <a:t>fú</a:t>
             </a:r>
-            <a:endParaRPr lang="en-US" altLang="zh-TW" sz="4000" b="1" dirty="0" smtClean="0">
+            <a:endParaRPr lang="en-US" altLang="zh-TW" sz="3600" b="1" dirty="0" smtClean="0">
               <a:solidFill>
                 <a:srgbClr val="FF0000"/>
               </a:solidFill>
@@ -4060,7 +4060,7 @@
         <p:spPr bwMode="auto">
           <a:xfrm>
             <a:off x="0" y="0"/>
-            <a:ext cx="9144000" cy="6858001"/>
+            <a:ext cx="9144000" cy="5143501"/>
           </a:xfrm>
           <a:prstGeom prst="rect">
             <a:avLst/>
@@ -4078,8 +4078,8 @@
         </p:nvSpPr>
         <p:spPr>
           <a:xfrm>
-            <a:off x="2767607" y="371704"/>
-            <a:ext cx="6227709" cy="2988530"/>
+            <a:off x="2916291" y="0"/>
+            <a:ext cx="6227709" cy="2241398"/>
           </a:xfrm>
           <a:prstGeom prst="rect">
             <a:avLst/>
@@ -4087,7 +4087,7 @@
         </p:spPr>
         <p:txBody>
           <a:bodyPr vert="horz" lIns="91440" tIns="45720" rIns="91440" bIns="45720" rtlCol="0">
-            <a:normAutofit fontScale="92500" lnSpcReduction="10000"/>
+            <a:noAutofit/>
           </a:bodyPr>
           <a:lstStyle/>
           <a:p>
@@ -4111,7 +4111,7 @@
               <a:defRPr/>
             </a:pPr>
             <a:r>
-              <a:rPr kumimoji="0" lang="zh-TW" altLang="en-US" sz="5200" b="1" i="0" u="none" strike="noStrike" kern="1200" cap="none" spc="0" normalizeH="0" baseline="0" noProof="0" dirty="0" smtClean="0">
+              <a:rPr kumimoji="0" lang="zh-TW" altLang="en-US" sz="4000" b="1" i="0" u="none" strike="noStrike" kern="1200" cap="none" spc="0" normalizeH="0" baseline="0" noProof="0" dirty="0" smtClean="0">
                 <a:ln>
                   <a:noFill/>
                 </a:ln>
@@ -4127,7 +4127,7 @@
               </a:rPr>
               <a:t>讓愛天天住你家</a:t>
             </a:r>
-            <a:endParaRPr kumimoji="0" lang="en-US" altLang="zh-TW" sz="5200" b="1" i="0" u="none" strike="noStrike" kern="1200" cap="none" spc="0" normalizeH="0" baseline="0" noProof="0" dirty="0" smtClean="0">
+            <a:endParaRPr kumimoji="0" lang="en-US" altLang="zh-TW" sz="4000" b="1" i="0" u="none" strike="noStrike" kern="1200" cap="none" spc="0" normalizeH="0" baseline="0" noProof="0" dirty="0" smtClean="0">
               <a:ln>
                 <a:noFill/>
               </a:ln>
@@ -4153,62 +4153,66 @@
               <a:defRPr/>
             </a:pPr>
             <a:r>
-              <a:rPr lang="en-US" sz="4300" dirty="0" smtClean="0"/>
+              <a:rPr lang="en-US" sz="3200" dirty="0" smtClean="0"/>
               <a:t>       </a:t>
             </a:r>
             <a:r>
-              <a:rPr lang="en-US" sz="3900" dirty="0" err="1" smtClean="0"/>
+              <a:rPr lang="en-US" sz="3200" dirty="0" smtClean="0"/>
+              <a:t>      </a:t>
+            </a:r>
+            <a:r>
+              <a:rPr lang="en-US" sz="2800" dirty="0" err="1" smtClean="0"/>
               <a:t>ràng</a:t>
             </a:r>
             <a:r>
-              <a:rPr lang="en-US" sz="3900" dirty="0" smtClean="0"/>
-              <a:t> </a:t>
-            </a:r>
-            <a:r>
-              <a:rPr lang="en-US" sz="3900" dirty="0" err="1" smtClean="0"/>
+              <a:rPr lang="en-US" sz="2800" dirty="0" smtClean="0"/>
+              <a:t> </a:t>
+            </a:r>
+            <a:r>
+              <a:rPr lang="en-US" sz="2800" dirty="0" err="1" smtClean="0"/>
               <a:t>ài</a:t>
             </a:r>
             <a:r>
-              <a:rPr lang="en-US" sz="3900" dirty="0" smtClean="0"/>
-              <a:t> </a:t>
-            </a:r>
-            <a:r>
-              <a:rPr lang="en-US" sz="3900" dirty="0" err="1" smtClean="0"/>
+              <a:rPr lang="en-US" sz="2800" dirty="0" smtClean="0"/>
+              <a:t> </a:t>
+            </a:r>
+            <a:r>
+              <a:rPr lang="en-US" sz="2800" dirty="0" err="1" smtClean="0"/>
               <a:t>tiān</a:t>
             </a:r>
             <a:r>
-              <a:rPr lang="en-US" sz="3900" dirty="0" smtClean="0"/>
-              <a:t> </a:t>
-            </a:r>
-            <a:r>
-              <a:rPr lang="en-US" sz="3900" dirty="0" err="1" smtClean="0"/>
+              <a:rPr lang="en-US" sz="2800" dirty="0" smtClean="0"/>
+              <a:t> </a:t>
+            </a:r>
+            <a:r>
+              <a:rPr lang="en-US" sz="2800" dirty="0" err="1" smtClean="0"/>
               <a:t>tiān</a:t>
             </a:r>
             <a:r>
-              <a:rPr lang="en-US" sz="3900" dirty="0" smtClean="0"/>
-              <a:t> </a:t>
-            </a:r>
-            <a:r>
-              <a:rPr lang="en-US" sz="3900" dirty="0" err="1" smtClean="0"/>
+              <a:rPr lang="en-US" sz="2800" dirty="0" smtClean="0"/>
+              <a:t> </a:t>
+            </a:r>
+            <a:r>
+              <a:rPr lang="en-US" sz="2800" dirty="0" err="1" smtClean="0"/>
               <a:t>zhù</a:t>
             </a:r>
             <a:r>
-              <a:rPr lang="en-US" sz="3900" dirty="0" smtClean="0"/>
-              <a:t> </a:t>
-            </a:r>
-            <a:r>
-              <a:rPr lang="en-US" sz="3900" dirty="0" err="1" smtClean="0"/>
+              <a:rPr lang="en-US" sz="2800" dirty="0" smtClean="0"/>
+              <a:t> </a:t>
+            </a:r>
+            <a:r>
+              <a:rPr lang="en-US" sz="2800" dirty="0" err="1" smtClean="0"/>
               <a:t>nǐ</a:t>
             </a:r>
             <a:r>
-              <a:rPr lang="en-US" sz="3900" dirty="0" smtClean="0"/>
-              <a:t> </a:t>
-            </a:r>
-            <a:r>
-              <a:rPr lang="en-US" sz="3900" dirty="0" err="1" smtClean="0"/>
+              <a:rPr lang="en-US" sz="2800" dirty="0" smtClean="0"/>
+              <a:t> </a:t>
+            </a:r>
+            <a:r>
+              <a:rPr lang="en-US" sz="2800" dirty="0" err="1" smtClean="0"/>
               <a:t>jiā</a:t>
             </a:r>
-            <a:endParaRPr kumimoji="0" lang="en-US" altLang="zh-TW" sz="5200" b="1" i="0" u="none" strike="noStrike" kern="1200" cap="none" spc="0" normalizeH="0" baseline="0" noProof="0" dirty="0" smtClean="0">
+            <a:endParaRPr kumimoji="0" lang="en-US" altLang="zh-TW" sz="4000" b="1" i="0" u="none" strike="noStrike" kern="1200" cap="none" spc="0" normalizeH="0" baseline="0" noProof="0" dirty="0" smtClean="0">
               <a:ln>
                 <a:noFill/>
               </a:ln>
@@ -4244,7 +4248,7 @@
               <a:defRPr/>
             </a:pPr>
             <a:r>
-              <a:rPr kumimoji="0" lang="zh-TW" altLang="en-US" sz="5200" b="1" i="0" u="none" strike="noStrike" kern="1200" cap="none" spc="0" normalizeH="0" baseline="0" noProof="0" dirty="0" smtClean="0">
+              <a:rPr kumimoji="0" lang="zh-TW" altLang="en-US" sz="4000" b="1" i="0" u="none" strike="noStrike" kern="1200" cap="none" spc="0" normalizeH="0" baseline="0" noProof="0" dirty="0" smtClean="0">
                 <a:ln>
                   <a:noFill/>
                 </a:ln>
@@ -4260,7 +4264,7 @@
               </a:rPr>
               <a:t>讓愛天天住我家</a:t>
             </a:r>
-            <a:endParaRPr kumimoji="0" lang="en-US" altLang="zh-TW" sz="5200" b="1" i="0" u="none" strike="noStrike" kern="1200" cap="none" spc="0" normalizeH="0" baseline="0" noProof="0" dirty="0" smtClean="0">
+            <a:endParaRPr kumimoji="0" lang="en-US" altLang="zh-TW" sz="4000" b="1" i="0" u="none" strike="noStrike" kern="1200" cap="none" spc="0" normalizeH="0" baseline="0" noProof="0" dirty="0" smtClean="0">
               <a:ln>
                 <a:noFill/>
               </a:ln>
@@ -4286,62 +4290,66 @@
               <a:defRPr/>
             </a:pPr>
             <a:r>
-              <a:rPr lang="en-US" sz="4300" dirty="0" smtClean="0"/>
+              <a:rPr lang="en-US" sz="3200" dirty="0" smtClean="0"/>
               <a:t>     </a:t>
             </a:r>
             <a:r>
-              <a:rPr lang="en-US" sz="3900" dirty="0" err="1" smtClean="0"/>
+              <a:rPr lang="en-US" sz="3200" dirty="0" smtClean="0"/>
+              <a:t>       </a:t>
+            </a:r>
+            <a:r>
+              <a:rPr lang="en-US" sz="2800" dirty="0" err="1" smtClean="0"/>
               <a:t>ràng</a:t>
             </a:r>
             <a:r>
-              <a:rPr lang="en-US" sz="3900" dirty="0" smtClean="0"/>
-              <a:t> </a:t>
-            </a:r>
-            <a:r>
-              <a:rPr lang="en-US" sz="3900" dirty="0" err="1" smtClean="0"/>
+              <a:rPr lang="en-US" sz="2800" dirty="0" smtClean="0"/>
+              <a:t> </a:t>
+            </a:r>
+            <a:r>
+              <a:rPr lang="en-US" sz="2800" dirty="0" err="1" smtClean="0"/>
               <a:t>ài</a:t>
             </a:r>
             <a:r>
-              <a:rPr lang="en-US" sz="3900" dirty="0" smtClean="0"/>
-              <a:t> </a:t>
-            </a:r>
-            <a:r>
-              <a:rPr lang="en-US" sz="3900" dirty="0" err="1" smtClean="0"/>
+              <a:rPr lang="en-US" sz="2800" dirty="0" smtClean="0"/>
+              <a:t> </a:t>
+            </a:r>
+            <a:r>
+              <a:rPr lang="en-US" sz="2800" dirty="0" err="1" smtClean="0"/>
               <a:t>tiān</a:t>
             </a:r>
             <a:r>
-              <a:rPr lang="en-US" sz="3900" dirty="0" smtClean="0"/>
-              <a:t> </a:t>
-            </a:r>
-            <a:r>
-              <a:rPr lang="en-US" sz="3900" dirty="0" err="1" smtClean="0"/>
+              <a:rPr lang="en-US" sz="2800" dirty="0" smtClean="0"/>
+              <a:t> </a:t>
+            </a:r>
+            <a:r>
+              <a:rPr lang="en-US" sz="2800" dirty="0" err="1" smtClean="0"/>
               <a:t>tiān</a:t>
             </a:r>
             <a:r>
-              <a:rPr lang="en-US" sz="3900" dirty="0" smtClean="0"/>
-              <a:t> </a:t>
-            </a:r>
-            <a:r>
-              <a:rPr lang="en-US" sz="3900" dirty="0" err="1" smtClean="0"/>
+              <a:rPr lang="en-US" sz="2800" dirty="0" smtClean="0"/>
+              <a:t> </a:t>
+            </a:r>
+            <a:r>
+              <a:rPr lang="en-US" sz="2800" dirty="0" err="1" smtClean="0"/>
               <a:t>zhù</a:t>
             </a:r>
             <a:r>
-              <a:rPr lang="en-US" sz="3900" dirty="0" smtClean="0"/>
-              <a:t> </a:t>
-            </a:r>
-            <a:r>
-              <a:rPr lang="en-US" sz="3900" dirty="0" err="1" smtClean="0"/>
+              <a:rPr lang="en-US" sz="2800" dirty="0" smtClean="0"/>
+              <a:t> </a:t>
+            </a:r>
+            <a:r>
+              <a:rPr lang="en-US" sz="2800" dirty="0" err="1" smtClean="0"/>
               <a:t>wǒ</a:t>
             </a:r>
             <a:r>
-              <a:rPr lang="en-US" sz="3900" dirty="0" smtClean="0"/>
-              <a:t> </a:t>
-            </a:r>
-            <a:r>
-              <a:rPr lang="en-US" sz="3900" dirty="0" err="1" smtClean="0"/>
+              <a:rPr lang="en-US" sz="2800" dirty="0" smtClean="0"/>
+              <a:t> </a:t>
+            </a:r>
+            <a:r>
+              <a:rPr lang="en-US" sz="2800" dirty="0" err="1" smtClean="0"/>
               <a:t>jiā</a:t>
             </a:r>
-            <a:endParaRPr kumimoji="0" lang="en-US" altLang="zh-TW" sz="4800" b="1" i="0" u="none" strike="noStrike" kern="1200" cap="none" spc="0" normalizeH="0" baseline="0" noProof="0" dirty="0" smtClean="0">
+            <a:endParaRPr kumimoji="0" lang="en-US" altLang="zh-TW" sz="3600" b="1" i="0" u="none" strike="noStrike" kern="1200" cap="none" spc="0" normalizeH="0" baseline="0" noProof="0" dirty="0" smtClean="0">
               <a:ln>
                 <a:noFill/>
               </a:ln>
@@ -4376,7 +4384,7 @@
               <a:tabLst/>
               <a:defRPr/>
             </a:pPr>
-            <a:endParaRPr kumimoji="0" lang="en-US" altLang="zh-TW" sz="4800" b="1" i="0" u="none" strike="noStrike" kern="1200" cap="none" spc="0" normalizeH="0" baseline="0" noProof="0" dirty="0" smtClean="0">
+            <a:endParaRPr kumimoji="0" lang="en-US" altLang="zh-TW" sz="3600" b="1" i="0" u="none" strike="noStrike" kern="1200" cap="none" spc="0" normalizeH="0" baseline="0" noProof="0" dirty="0" smtClean="0">
               <a:ln>
                 <a:noFill/>
               </a:ln>
@@ -4403,8 +4411,8 @@
         </p:nvSpPr>
         <p:spPr>
           <a:xfrm>
-            <a:off x="37172" y="3434576"/>
-            <a:ext cx="8326245" cy="3423424"/>
+            <a:off x="37172" y="2575932"/>
+            <a:ext cx="8326245" cy="2567568"/>
           </a:xfrm>
           <a:prstGeom prst="rect">
             <a:avLst/>
@@ -4436,7 +4444,7 @@
               <a:defRPr/>
             </a:pPr>
             <a:r>
-              <a:rPr kumimoji="0" lang="zh-TW" altLang="en-US" sz="5400" b="1" i="0" u="none" strike="noStrike" kern="1200" cap="none" spc="0" normalizeH="0" baseline="0" noProof="0" dirty="0" smtClean="0">
+              <a:rPr kumimoji="0" lang="zh-TW" altLang="en-US" sz="4000" b="1" i="0" u="none" strike="noStrike" kern="1200" cap="none" spc="0" normalizeH="0" baseline="0" noProof="0" dirty="0" smtClean="0">
                 <a:ln>
                   <a:noFill/>
                 </a:ln>
@@ -4453,7 +4461,7 @@
               <a:t>不分日夜秋</a:t>
             </a:r>
             <a:r>
-              <a:rPr kumimoji="0" lang="zh-TW" altLang="en-US" sz="5400" b="1" i="0" strike="noStrike" kern="1200" cap="none" spc="0" normalizeH="0" baseline="0" noProof="0" dirty="0" smtClean="0">
+              <a:rPr kumimoji="0" lang="zh-TW" altLang="en-US" sz="4000" b="1" i="0" strike="noStrike" kern="1200" cap="none" spc="0" normalizeH="0" baseline="0" noProof="0" dirty="0" smtClean="0">
                 <a:ln>
                   <a:noFill/>
                 </a:ln>
@@ -4470,7 +4478,7 @@
               <a:t>冬春夏</a:t>
             </a:r>
             <a:r>
-              <a:rPr kumimoji="0" lang="en-US" altLang="zh-TW" sz="5400" b="1" i="0" u="none" strike="noStrike" kern="1200" cap="none" spc="0" normalizeH="0" baseline="0" noProof="0" dirty="0" smtClean="0">
+              <a:rPr kumimoji="0" lang="en-US" altLang="zh-TW" sz="4000" b="1" i="0" u="none" strike="noStrike" kern="1200" cap="none" spc="0" normalizeH="0" baseline="0" noProof="0" dirty="0" smtClean="0">
                 <a:ln>
                   <a:noFill/>
                 </a:ln>
@@ -4498,74 +4506,74 @@
               <a:defRPr/>
             </a:pPr>
             <a:r>
-              <a:rPr lang="en-US" sz="3600" dirty="0" err="1" smtClean="0"/>
+              <a:rPr lang="en-US" sz="2400" dirty="0" err="1" smtClean="0"/>
               <a:t>bù</a:t>
             </a:r>
             <a:r>
-              <a:rPr lang="en-US" sz="3600" dirty="0" smtClean="0"/>
+              <a:rPr lang="en-US" sz="2400" dirty="0" smtClean="0"/>
               <a:t>  </a:t>
             </a:r>
             <a:r>
-              <a:rPr lang="en-US" sz="3600" dirty="0" err="1" smtClean="0"/>
+              <a:rPr lang="en-US" sz="2400" dirty="0" err="1" smtClean="0"/>
               <a:t>fēn</a:t>
             </a:r>
             <a:r>
-              <a:rPr lang="en-US" sz="3600" dirty="0" smtClean="0"/>
+              <a:rPr lang="en-US" sz="2400" dirty="0" smtClean="0"/>
               <a:t>  </a:t>
             </a:r>
             <a:r>
-              <a:rPr lang="en-US" sz="3600" dirty="0" err="1" smtClean="0"/>
+              <a:rPr lang="en-US" sz="2400" dirty="0" err="1" smtClean="0"/>
               <a:t>rì</a:t>
             </a:r>
             <a:r>
-              <a:rPr lang="en-US" sz="3600" dirty="0" smtClean="0"/>
+              <a:rPr lang="en-US" sz="2400" dirty="0" smtClean="0"/>
               <a:t>  </a:t>
             </a:r>
             <a:r>
-              <a:rPr lang="en-US" sz="3600" dirty="0" err="1" smtClean="0"/>
+              <a:rPr lang="en-US" sz="2400" dirty="0" err="1" smtClean="0"/>
               <a:t>yè</a:t>
             </a:r>
             <a:r>
-              <a:rPr lang="en-US" sz="3600" dirty="0" smtClean="0"/>
-              <a:t> </a:t>
-            </a:r>
-            <a:r>
-              <a:rPr lang="en-US" sz="3600" dirty="0" err="1" smtClean="0"/>
+              <a:rPr lang="en-US" sz="2400" dirty="0" smtClean="0"/>
+              <a:t> </a:t>
+            </a:r>
+            <a:r>
+              <a:rPr lang="en-US" sz="2400" dirty="0" err="1" smtClean="0"/>
               <a:t>qiū</a:t>
             </a:r>
             <a:r>
-              <a:rPr lang="en-US" sz="3600" dirty="0" smtClean="0"/>
-              <a:t> </a:t>
-            </a:r>
-            <a:r>
-              <a:rPr lang="en-US" sz="3600" dirty="0" err="1" smtClean="0"/>
+              <a:rPr lang="en-US" sz="2400" dirty="0" smtClean="0"/>
+              <a:t> </a:t>
+            </a:r>
+            <a:r>
+              <a:rPr lang="en-US" sz="2400" dirty="0" err="1" smtClean="0"/>
               <a:t>dōng</a:t>
             </a:r>
             <a:r>
-              <a:rPr lang="en-US" sz="3600" dirty="0" smtClean="0"/>
-              <a:t> </a:t>
-            </a:r>
-            <a:r>
-              <a:rPr lang="en-US" sz="3600" dirty="0" err="1" smtClean="0"/>
+              <a:rPr lang="en-US" sz="2400" dirty="0" smtClean="0"/>
+              <a:t> </a:t>
+            </a:r>
+            <a:r>
+              <a:rPr lang="en-US" sz="2400" dirty="0" err="1" smtClean="0"/>
               <a:t>chūn</a:t>
             </a:r>
             <a:r>
-              <a:rPr lang="en-US" sz="3600" dirty="0" smtClean="0"/>
-              <a:t> </a:t>
-            </a:r>
-            <a:r>
-              <a:rPr lang="en-US" sz="3600" dirty="0" err="1" smtClean="0"/>
+              <a:rPr lang="en-US" sz="2400" dirty="0" smtClean="0"/>
+              <a:t> </a:t>
+            </a:r>
+            <a:r>
+              <a:rPr lang="en-US" sz="2400" dirty="0" err="1" smtClean="0"/>
               <a:t>xi</a:t>
             </a:r>
             <a:r>
-              <a:rPr lang="en-US" sz="4000" dirty="0" err="1" smtClean="0"/>
+              <a:rPr lang="en-US" sz="2800" dirty="0" err="1" smtClean="0"/>
               <a:t>à</a:t>
             </a:r>
             <a:r>
-              <a:rPr lang="en-US" sz="4000" dirty="0" smtClean="0"/>
+              <a:rPr lang="en-US" sz="2800" dirty="0" smtClean="0"/>
               <a:t> </a:t>
             </a:r>
-            <a:endParaRPr kumimoji="0" lang="en-US" altLang="zh-TW" sz="4000" b="1" i="0" u="none" strike="noStrike" kern="1200" cap="none" spc="0" normalizeH="0" baseline="0" noProof="0" dirty="0" smtClean="0">
+            <a:endParaRPr kumimoji="0" lang="en-US" altLang="zh-TW" sz="2800" b="1" i="0" u="none" strike="noStrike" kern="1200" cap="none" spc="0" normalizeH="0" baseline="0" noProof="0" dirty="0" smtClean="0">
               <a:ln>
                 <a:noFill/>
               </a:ln>
@@ -4601,7 +4609,7 @@
               <a:defRPr/>
             </a:pPr>
             <a:r>
-              <a:rPr kumimoji="0" lang="zh-TW" altLang="en-US" sz="5400" b="1" i="0" u="none" strike="noStrike" kern="1200" cap="none" spc="0" normalizeH="0" baseline="0" noProof="0" dirty="0" smtClean="0">
+              <a:rPr kumimoji="0" lang="zh-TW" altLang="en-US" sz="4000" b="1" i="0" u="none" strike="noStrike" kern="1200" cap="none" spc="0" normalizeH="0" baseline="0" noProof="0" dirty="0" smtClean="0">
                 <a:ln>
                   <a:noFill/>
                 </a:ln>
@@ -4617,7 +4625,7 @@
               </a:rPr>
               <a:t>全心全意愛我們的家</a:t>
             </a:r>
-            <a:endParaRPr kumimoji="0" lang="en-US" altLang="zh-TW" sz="5400" b="1" i="0" u="none" strike="noStrike" kern="1200" cap="none" spc="0" normalizeH="0" baseline="0" noProof="0" dirty="0" smtClean="0">
+            <a:endParaRPr kumimoji="0" lang="en-US" altLang="zh-TW" sz="4000" b="1" i="0" u="none" strike="noStrike" kern="1200" cap="none" spc="0" normalizeH="0" baseline="0" noProof="0" dirty="0" smtClean="0">
               <a:ln>
                 <a:noFill/>
               </a:ln>
@@ -4643,58 +4651,58 @@
               <a:defRPr/>
             </a:pPr>
             <a:r>
-              <a:rPr lang="en-US" sz="3500" dirty="0" err="1" smtClean="0"/>
+              <a:rPr lang="en-US" sz="2400" dirty="0" err="1" smtClean="0"/>
               <a:t>Quán</a:t>
             </a:r>
             <a:r>
-              <a:rPr lang="en-US" sz="3500" dirty="0" smtClean="0"/>
-              <a:t> </a:t>
-            </a:r>
-            <a:r>
-              <a:rPr lang="en-US" sz="3500" dirty="0" err="1" smtClean="0"/>
+              <a:rPr lang="en-US" sz="2400" dirty="0" smtClean="0"/>
+              <a:t> </a:t>
+            </a:r>
+            <a:r>
+              <a:rPr lang="en-US" sz="2400" dirty="0" err="1" smtClean="0"/>
               <a:t>xīn</a:t>
             </a:r>
             <a:r>
-              <a:rPr lang="en-US" sz="3500" dirty="0" smtClean="0"/>
-              <a:t> </a:t>
-            </a:r>
-            <a:r>
-              <a:rPr lang="en-US" sz="3500" dirty="0" err="1" smtClean="0"/>
+              <a:rPr lang="en-US" sz="2400" dirty="0" smtClean="0"/>
+              <a:t> </a:t>
+            </a:r>
+            <a:r>
+              <a:rPr lang="en-US" sz="2400" dirty="0" err="1" smtClean="0"/>
               <a:t>quán</a:t>
             </a:r>
             <a:r>
-              <a:rPr lang="en-US" sz="3500" dirty="0" smtClean="0"/>
-              <a:t> </a:t>
-            </a:r>
-            <a:r>
-              <a:rPr lang="en-US" sz="3500" dirty="0" err="1" smtClean="0"/>
+              <a:rPr lang="en-US" sz="2400" dirty="0" smtClean="0"/>
+              <a:t> </a:t>
+            </a:r>
+            <a:r>
+              <a:rPr lang="en-US" sz="2400" dirty="0" err="1" smtClean="0"/>
               <a:t>yì</a:t>
             </a:r>
             <a:r>
-              <a:rPr lang="en-US" sz="3500" dirty="0" smtClean="0"/>
-              <a:t> </a:t>
-            </a:r>
-            <a:r>
-              <a:rPr lang="en-US" sz="3500" dirty="0" err="1" smtClean="0"/>
+              <a:rPr lang="en-US" sz="2400" dirty="0" smtClean="0"/>
+              <a:t> </a:t>
+            </a:r>
+            <a:r>
+              <a:rPr lang="en-US" sz="2400" dirty="0" err="1" smtClean="0"/>
               <a:t>ài</a:t>
             </a:r>
             <a:r>
-              <a:rPr lang="en-US" sz="3500" dirty="0" smtClean="0"/>
-              <a:t> </a:t>
-            </a:r>
-            <a:r>
-              <a:rPr lang="en-US" sz="3500" dirty="0" err="1" smtClean="0"/>
+              <a:rPr lang="en-US" sz="2400" dirty="0" smtClean="0"/>
+              <a:t> </a:t>
+            </a:r>
+            <a:r>
+              <a:rPr lang="en-US" sz="2400" dirty="0" err="1" smtClean="0"/>
               <a:t>wǒ</a:t>
             </a:r>
             <a:r>
-              <a:rPr lang="en-US" sz="3500" dirty="0" smtClean="0"/>
+              <a:rPr lang="en-US" sz="2400" dirty="0" smtClean="0"/>
               <a:t> men de </a:t>
             </a:r>
             <a:r>
-              <a:rPr lang="en-US" sz="3500" dirty="0" err="1" smtClean="0"/>
+              <a:rPr lang="en-US" sz="2400" dirty="0" err="1" smtClean="0"/>
               <a:t>jiā</a:t>
             </a:r>
-            <a:endParaRPr lang="en-US" sz="3500" dirty="0" smtClean="0"/>
+            <a:endParaRPr lang="en-US" sz="2400" dirty="0" smtClean="0"/>
           </a:p>
         </p:txBody>
       </p:sp>

--- a/chinese/愛我們的家.pptx
+++ b/chinese/愛我們的家.pptx
@@ -107,6 +107,22 @@
       </a:defRPr>
     </a:lvl9pPr>
   </p:defaultTextStyle>
+  <p:extLst>
+    <p:ext uri="{EFAFB233-063F-42B5-8137-9DF3F51BA10A}">
+      <p15:sldGuideLst xmlns:p15="http://schemas.microsoft.com/office/powerpoint/2012/main">
+        <p15:guide id="1" orient="horz" pos="1620">
+          <p15:clr>
+            <a:srgbClr val="A4A3A4"/>
+          </p15:clr>
+        </p15:guide>
+        <p15:guide id="2" pos="2880">
+          <p15:clr>
+            <a:srgbClr val="A4A3A4"/>
+          </p15:clr>
+        </p15:guide>
+      </p15:sldGuideLst>
+    </p:ext>
+  </p:extLst>
 </p:presentation>
 </file>
 
@@ -296,7 +312,7 @@
             <a:fld id="{0044F68E-C29D-4AF6-8399-5D6C07C982BA}" type="datetimeFigureOut">
               <a:rPr lang="en-US" smtClean="0"/>
               <a:pPr/>
-              <a:t>8/21/2019</a:t>
+              <a:t>9/26/2023</a:t>
             </a:fld>
             <a:endParaRPr lang="en-US"/>
           </a:p>
@@ -463,7 +479,7 @@
             <a:fld id="{0044F68E-C29D-4AF6-8399-5D6C07C982BA}" type="datetimeFigureOut">
               <a:rPr lang="en-US" smtClean="0"/>
               <a:pPr/>
-              <a:t>8/21/2019</a:t>
+              <a:t>9/26/2023</a:t>
             </a:fld>
             <a:endParaRPr lang="en-US"/>
           </a:p>
@@ -640,7 +656,7 @@
             <a:fld id="{0044F68E-C29D-4AF6-8399-5D6C07C982BA}" type="datetimeFigureOut">
               <a:rPr lang="en-US" smtClean="0"/>
               <a:pPr/>
-              <a:t>8/21/2019</a:t>
+              <a:t>9/26/2023</a:t>
             </a:fld>
             <a:endParaRPr lang="en-US"/>
           </a:p>
@@ -807,7 +823,7 @@
             <a:fld id="{0044F68E-C29D-4AF6-8399-5D6C07C982BA}" type="datetimeFigureOut">
               <a:rPr lang="en-US" smtClean="0"/>
               <a:pPr/>
-              <a:t>8/21/2019</a:t>
+              <a:t>9/26/2023</a:t>
             </a:fld>
             <a:endParaRPr lang="en-US"/>
           </a:p>
@@ -1050,7 +1066,7 @@
             <a:fld id="{0044F68E-C29D-4AF6-8399-5D6C07C982BA}" type="datetimeFigureOut">
               <a:rPr lang="en-US" smtClean="0"/>
               <a:pPr/>
-              <a:t>8/21/2019</a:t>
+              <a:t>9/26/2023</a:t>
             </a:fld>
             <a:endParaRPr lang="en-US"/>
           </a:p>
@@ -1335,7 +1351,7 @@
             <a:fld id="{0044F68E-C29D-4AF6-8399-5D6C07C982BA}" type="datetimeFigureOut">
               <a:rPr lang="en-US" smtClean="0"/>
               <a:pPr/>
-              <a:t>8/21/2019</a:t>
+              <a:t>9/26/2023</a:t>
             </a:fld>
             <a:endParaRPr lang="en-US"/>
           </a:p>
@@ -1754,7 +1770,7 @@
             <a:fld id="{0044F68E-C29D-4AF6-8399-5D6C07C982BA}" type="datetimeFigureOut">
               <a:rPr lang="en-US" smtClean="0"/>
               <a:pPr/>
-              <a:t>8/21/2019</a:t>
+              <a:t>9/26/2023</a:t>
             </a:fld>
             <a:endParaRPr lang="en-US"/>
           </a:p>
@@ -1869,7 +1885,7 @@
             <a:fld id="{0044F68E-C29D-4AF6-8399-5D6C07C982BA}" type="datetimeFigureOut">
               <a:rPr lang="en-US" smtClean="0"/>
               <a:pPr/>
-              <a:t>8/21/2019</a:t>
+              <a:t>9/26/2023</a:t>
             </a:fld>
             <a:endParaRPr lang="en-US"/>
           </a:p>
@@ -1961,7 +1977,7 @@
             <a:fld id="{0044F68E-C29D-4AF6-8399-5D6C07C982BA}" type="datetimeFigureOut">
               <a:rPr lang="en-US" smtClean="0"/>
               <a:pPr/>
-              <a:t>8/21/2019</a:t>
+              <a:t>9/26/2023</a:t>
             </a:fld>
             <a:endParaRPr lang="en-US"/>
           </a:p>
@@ -2235,7 +2251,7 @@
             <a:fld id="{0044F68E-C29D-4AF6-8399-5D6C07C982BA}" type="datetimeFigureOut">
               <a:rPr lang="en-US" smtClean="0"/>
               <a:pPr/>
-              <a:t>8/21/2019</a:t>
+              <a:t>9/26/2023</a:t>
             </a:fld>
             <a:endParaRPr lang="en-US"/>
           </a:p>
@@ -2485,7 +2501,7 @@
             <a:fld id="{0044F68E-C29D-4AF6-8399-5D6C07C982BA}" type="datetimeFigureOut">
               <a:rPr lang="en-US" smtClean="0"/>
               <a:pPr/>
-              <a:t>8/21/2019</a:t>
+              <a:t>9/26/2023</a:t>
             </a:fld>
             <a:endParaRPr lang="en-US"/>
           </a:p>
@@ -2695,7 +2711,7 @@
             <a:fld id="{0044F68E-C29D-4AF6-8399-5D6C07C982BA}" type="datetimeFigureOut">
               <a:rPr lang="en-US" smtClean="0"/>
               <a:pPr/>
-              <a:t>8/21/2019</a:t>
+              <a:t>9/26/2023</a:t>
             </a:fld>
             <a:endParaRPr lang="en-US"/>
           </a:p>
@@ -3097,7 +3113,7 @@
           <p:cNvPr id="5" name="Title 1">
             <a:extLst>
               <a:ext uri="{FF2B5EF4-FFF2-40B4-BE49-F238E27FC236}">
-                <a16:creationId xmlns:a16="http://schemas.microsoft.com/office/drawing/2014/main" xmlns="" id="{4A6AF4A2-D899-4342-A548-410A8994E188}"/>
+                <a16:creationId xmlns:a16="http://schemas.microsoft.com/office/drawing/2014/main" id="{4A6AF4A2-D899-4342-A548-410A8994E188}"/>
               </a:ext>
             </a:extLst>
           </p:cNvPr>
@@ -3571,7 +3587,17 @@
                 <a:latin typeface="標楷體" pitchFamily="65" charset="-120"/>
                 <a:ea typeface="標楷體" pitchFamily="65" charset="-120"/>
               </a:rPr>
-              <a:t>每個人付出家就不孤獨</a:t>
+              <a:t>每個人付出</a:t>
+            </a:r>
+            <a:r>
+              <a:rPr lang="zh-TW" altLang="en-US" sz="5400" b="1" dirty="0" smtClean="0">
+                <a:solidFill>
+                  <a:srgbClr val="C00000"/>
+                </a:solidFill>
+                <a:latin typeface="標楷體" pitchFamily="65" charset="-120"/>
+                <a:ea typeface="標楷體" pitchFamily="65" charset="-120"/>
+              </a:rPr>
+              <a:t>家就不孤獨</a:t>
             </a:r>
             <a:endParaRPr lang="en-US" altLang="zh-TW" sz="5400" b="1" dirty="0" smtClean="0">
               <a:solidFill>
@@ -4154,11 +4180,7 @@
             </a:pPr>
             <a:r>
               <a:rPr lang="en-US" sz="3200" dirty="0" smtClean="0"/>
-              <a:t>       </a:t>
-            </a:r>
-            <a:r>
-              <a:rPr lang="en-US" sz="3200" dirty="0" smtClean="0"/>
-              <a:t>      </a:t>
+              <a:t>             </a:t>
             </a:r>
             <a:r>
               <a:rPr lang="en-US" sz="2800" dirty="0" err="1" smtClean="0"/>
@@ -4291,11 +4313,7 @@
             </a:pPr>
             <a:r>
               <a:rPr lang="en-US" sz="3200" dirty="0" smtClean="0"/>
-              <a:t>     </a:t>
-            </a:r>
-            <a:r>
-              <a:rPr lang="en-US" sz="3200" dirty="0" smtClean="0"/>
-              <a:t>       </a:t>
+              <a:t>            </a:t>
             </a:r>
             <a:r>
               <a:rPr lang="en-US" sz="2800" dirty="0" err="1" smtClean="0"/>
